--- a/Cover Letter Generator Using NLP and Deep Learning.pptx
+++ b/Cover Letter Generator Using NLP and Deep Learning.pptx
@@ -116,6 +116,11 @@
       </a:defRPr>
     </a:lvl9pPr>
   </p:defaultTextStyle>
+  <p:extLst>
+    <p:ext uri="{EFAFB233-063F-42B5-8137-9DF3F51BA10A}">
+      <p15:sldGuideLst xmlns:p15="http://schemas.microsoft.com/office/powerpoint/2012/main"/>
+    </p:ext>
+  </p:extLst>
 </p:presentation>
 </file>
 
@@ -796,7 +801,7 @@
           <a:p>
             <a:fld id="{E557961E-553C-41B9-A95D-73474641D315}" type="datetimeFigureOut">
               <a:rPr lang="en-US" smtClean="0"/>
-              <a:t>12/2/2020</a:t>
+              <a:t>12/4/2020</a:t>
             </a:fld>
             <a:endParaRPr lang="en-US"/>
           </a:p>
@@ -994,7 +999,7 @@
           <a:p>
             <a:fld id="{E557961E-553C-41B9-A95D-73474641D315}" type="datetimeFigureOut">
               <a:rPr lang="en-US" smtClean="0"/>
-              <a:t>12/2/2020</a:t>
+              <a:t>12/4/2020</a:t>
             </a:fld>
             <a:endParaRPr lang="en-US"/>
           </a:p>
@@ -1202,7 +1207,7 @@
           <a:p>
             <a:fld id="{E557961E-553C-41B9-A95D-73474641D315}" type="datetimeFigureOut">
               <a:rPr lang="en-US" smtClean="0"/>
-              <a:t>12/2/2020</a:t>
+              <a:t>12/4/2020</a:t>
             </a:fld>
             <a:endParaRPr lang="en-US"/>
           </a:p>
@@ -1400,7 +1405,7 @@
           <a:p>
             <a:fld id="{E557961E-553C-41B9-A95D-73474641D315}" type="datetimeFigureOut">
               <a:rPr lang="en-US" smtClean="0"/>
-              <a:t>12/2/2020</a:t>
+              <a:t>12/4/2020</a:t>
             </a:fld>
             <a:endParaRPr lang="en-US"/>
           </a:p>
@@ -1675,7 +1680,7 @@
           <a:p>
             <a:fld id="{E557961E-553C-41B9-A95D-73474641D315}" type="datetimeFigureOut">
               <a:rPr lang="en-US" smtClean="0"/>
-              <a:t>12/2/2020</a:t>
+              <a:t>12/4/2020</a:t>
             </a:fld>
             <a:endParaRPr lang="en-US"/>
           </a:p>
@@ -1940,7 +1945,7 @@
           <a:p>
             <a:fld id="{E557961E-553C-41B9-A95D-73474641D315}" type="datetimeFigureOut">
               <a:rPr lang="en-US" smtClean="0"/>
-              <a:t>12/2/2020</a:t>
+              <a:t>12/4/2020</a:t>
             </a:fld>
             <a:endParaRPr lang="en-US"/>
           </a:p>
@@ -2352,7 +2357,7 @@
           <a:p>
             <a:fld id="{E557961E-553C-41B9-A95D-73474641D315}" type="datetimeFigureOut">
               <a:rPr lang="en-US" smtClean="0"/>
-              <a:t>12/2/2020</a:t>
+              <a:t>12/4/2020</a:t>
             </a:fld>
             <a:endParaRPr lang="en-US"/>
           </a:p>
@@ -2493,7 +2498,7 @@
           <a:p>
             <a:fld id="{E557961E-553C-41B9-A95D-73474641D315}" type="datetimeFigureOut">
               <a:rPr lang="en-US" smtClean="0"/>
-              <a:t>12/2/2020</a:t>
+              <a:t>12/4/2020</a:t>
             </a:fld>
             <a:endParaRPr lang="en-US"/>
           </a:p>
@@ -2606,7 +2611,7 @@
           <a:p>
             <a:fld id="{E557961E-553C-41B9-A95D-73474641D315}" type="datetimeFigureOut">
               <a:rPr lang="en-US" smtClean="0"/>
-              <a:t>12/2/2020</a:t>
+              <a:t>12/4/2020</a:t>
             </a:fld>
             <a:endParaRPr lang="en-US"/>
           </a:p>
@@ -2917,7 +2922,7 @@
           <a:p>
             <a:fld id="{E557961E-553C-41B9-A95D-73474641D315}" type="datetimeFigureOut">
               <a:rPr lang="en-US" smtClean="0"/>
-              <a:t>12/2/2020</a:t>
+              <a:t>12/4/2020</a:t>
             </a:fld>
             <a:endParaRPr lang="en-US"/>
           </a:p>
@@ -3205,7 +3210,7 @@
           <a:p>
             <a:fld id="{E557961E-553C-41B9-A95D-73474641D315}" type="datetimeFigureOut">
               <a:rPr lang="en-US" smtClean="0"/>
-              <a:t>12/2/2020</a:t>
+              <a:t>12/4/2020</a:t>
             </a:fld>
             <a:endParaRPr lang="en-US"/>
           </a:p>
@@ -3446,7 +3451,7 @@
           <a:p>
             <a:fld id="{E557961E-553C-41B9-A95D-73474641D315}" type="datetimeFigureOut">
               <a:rPr lang="en-US" smtClean="0"/>
-              <a:t>12/2/2020</a:t>
+              <a:t>12/4/2020</a:t>
             </a:fld>
             <a:endParaRPr lang="en-US"/>
           </a:p>
@@ -5873,6 +5878,51 @@
                                         </p:cTn>
                                         <p:tgtEl>
                                           <p:spTgt spid="21"/>
+                                        </p:tgtEl>
+                                        <p:attrNameLst>
+                                          <p:attrName>style.visibility</p:attrName>
+                                        </p:attrNameLst>
+                                      </p:cBhvr>
+                                      <p:to>
+                                        <p:strVal val="visible"/>
+                                      </p:to>
+                                    </p:set>
+                                  </p:childTnLst>
+                                </p:cTn>
+                              </p:par>
+                            </p:childTnLst>
+                          </p:cTn>
+                        </p:par>
+                      </p:childTnLst>
+                    </p:cTn>
+                  </p:par>
+                  <p:par>
+                    <p:cTn id="35" fill="hold">
+                      <p:stCondLst>
+                        <p:cond delay="indefinite"/>
+                      </p:stCondLst>
+                      <p:childTnLst>
+                        <p:par>
+                          <p:cTn id="36" fill="hold">
+                            <p:stCondLst>
+                              <p:cond delay="0"/>
+                            </p:stCondLst>
+                            <p:childTnLst>
+                              <p:par>
+                                <p:cTn id="37" presetID="1" presetClass="entr" presetSubtype="0" fill="hold" nodeType="clickEffect">
+                                  <p:stCondLst>
+                                    <p:cond delay="0"/>
+                                  </p:stCondLst>
+                                  <p:childTnLst>
+                                    <p:set>
+                                      <p:cBhvr>
+                                        <p:cTn id="38" dur="1" fill="hold">
+                                          <p:stCondLst>
+                                            <p:cond delay="0"/>
+                                          </p:stCondLst>
+                                        </p:cTn>
+                                        <p:tgtEl>
+                                          <p:spTgt spid="19"/>
                                         </p:tgtEl>
                                         <p:attrNameLst>
                                           <p:attrName>style.visibility</p:attrName>

--- a/Cover Letter Generator Using NLP and Deep Learning.pptx
+++ b/Cover Letter Generator Using NLP and Deep Learning.pptx
@@ -5,19 +5,21 @@
     <p:sldMasterId id="2147483648" r:id="rId1"/>
   </p:sldMasterIdLst>
   <p:notesMasterIdLst>
-    <p:notesMasterId r:id="rId12"/>
+    <p:notesMasterId r:id="rId14"/>
   </p:notesMasterIdLst>
   <p:sldIdLst>
     <p:sldId id="256" r:id="rId2"/>
     <p:sldId id="258" r:id="rId3"/>
     <p:sldId id="257" r:id="rId4"/>
     <p:sldId id="259" r:id="rId5"/>
-    <p:sldId id="264" r:id="rId6"/>
-    <p:sldId id="262" r:id="rId7"/>
-    <p:sldId id="268" r:id="rId8"/>
-    <p:sldId id="263" r:id="rId9"/>
-    <p:sldId id="267" r:id="rId10"/>
-    <p:sldId id="266" r:id="rId11"/>
+    <p:sldId id="270" r:id="rId6"/>
+    <p:sldId id="264" r:id="rId7"/>
+    <p:sldId id="269" r:id="rId8"/>
+    <p:sldId id="262" r:id="rId9"/>
+    <p:sldId id="268" r:id="rId10"/>
+    <p:sldId id="263" r:id="rId11"/>
+    <p:sldId id="267" r:id="rId12"/>
+    <p:sldId id="266" r:id="rId13"/>
   </p:sldIdLst>
   <p:sldSz cx="12192000" cy="6858000"/>
   <p:notesSz cx="6858000" cy="9144000"/>
@@ -518,16 +520,9 @@
           <a:lstStyle/>
           <a:p>
             <a:r>
-              <a:rPr lang="en-US" b="0" i="0" dirty="0">
-                <a:solidFill>
-                  <a:srgbClr val="616161"/>
-                </a:solidFill>
-                <a:effectLst/>
-                <a:latin typeface="Roboto"/>
-              </a:rPr>
-              <a:t>Bidirectional Encoder Representations from Transformers</a:t>
-            </a:r>
-            <a:endParaRPr lang="en-US" dirty="0"/>
+              <a:rPr lang="en-US" dirty="0"/>
+              <a:t>464 Applications</a:t>
+            </a:r>
           </a:p>
         </p:txBody>
       </p:sp>
@@ -548,7 +543,7 @@
           <a:p>
             <a:fld id="{E5D74B41-F3C5-4511-B62C-9B4A3DFE4FE6}" type="slidenum">
               <a:rPr lang="en-US" smtClean="0"/>
-              <a:t>5</a:t>
+              <a:t>2</a:t>
             </a:fld>
             <a:endParaRPr lang="en-US"/>
           </a:p>
@@ -557,7 +552,7 @@
     </p:spTree>
     <p:extLst>
       <p:ext uri="{BB962C8B-B14F-4D97-AF65-F5344CB8AC3E}">
-        <p14:creationId xmlns:p14="http://schemas.microsoft.com/office/powerpoint/2010/main" val="3383505036"/>
+        <p14:creationId xmlns:p14="http://schemas.microsoft.com/office/powerpoint/2010/main" val="1542895058"/>
       </p:ext>
     </p:extLst>
   </p:cSld>
@@ -613,7 +608,282 @@
           <a:p>
             <a:r>
               <a:rPr lang="en-US" dirty="0"/>
-              <a:t>Losses begin to converge, with more epochs they diverge again</a:t>
+              <a:t>40 Applications</a:t>
+            </a:r>
+          </a:p>
+        </p:txBody>
+      </p:sp>
+      <p:sp>
+        <p:nvSpPr>
+          <p:cNvPr id="4" name="Slide Number Placeholder 3"/>
+          <p:cNvSpPr>
+            <a:spLocks noGrp="1"/>
+          </p:cNvSpPr>
+          <p:nvPr>
+            <p:ph type="sldNum" sz="quarter" idx="5"/>
+          </p:nvPr>
+        </p:nvSpPr>
+        <p:spPr/>
+        <p:txBody>
+          <a:bodyPr/>
+          <a:lstStyle/>
+          <a:p>
+            <a:fld id="{E5D74B41-F3C5-4511-B62C-9B4A3DFE4FE6}" type="slidenum">
+              <a:rPr lang="en-US" smtClean="0"/>
+              <a:t>3</a:t>
+            </a:fld>
+            <a:endParaRPr lang="en-US"/>
+          </a:p>
+        </p:txBody>
+      </p:sp>
+    </p:spTree>
+    <p:extLst>
+      <p:ext uri="{BB962C8B-B14F-4D97-AF65-F5344CB8AC3E}">
+        <p14:creationId xmlns:p14="http://schemas.microsoft.com/office/powerpoint/2010/main" val="3893543723"/>
+      </p:ext>
+    </p:extLst>
+  </p:cSld>
+  <p:clrMapOvr>
+    <a:masterClrMapping/>
+  </p:clrMapOvr>
+</p:notes>
+</file>
+
+<file path=ppt/notesSlides/notesSlide3.xml><?xml version="1.0" encoding="utf-8"?>
+<p:notes xmlns:a="http://schemas.openxmlformats.org/drawingml/2006/main" xmlns:r="http://schemas.openxmlformats.org/officeDocument/2006/relationships" xmlns:p="http://schemas.openxmlformats.org/presentationml/2006/main">
+  <p:cSld>
+    <p:spTree>
+      <p:nvGrpSpPr>
+        <p:cNvPr id="1" name=""/>
+        <p:cNvGrpSpPr/>
+        <p:nvPr/>
+      </p:nvGrpSpPr>
+      <p:grpSpPr>
+        <a:xfrm>
+          <a:off x="0" y="0"/>
+          <a:ext cx="0" cy="0"/>
+          <a:chOff x="0" y="0"/>
+          <a:chExt cx="0" cy="0"/>
+        </a:xfrm>
+      </p:grpSpPr>
+      <p:sp>
+        <p:nvSpPr>
+          <p:cNvPr id="2" name="Slide Image Placeholder 1"/>
+          <p:cNvSpPr>
+            <a:spLocks noGrp="1" noRot="1" noChangeAspect="1"/>
+          </p:cNvSpPr>
+          <p:nvPr>
+            <p:ph type="sldImg"/>
+          </p:nvPr>
+        </p:nvSpPr>
+        <p:spPr/>
+      </p:sp>
+      <p:sp>
+        <p:nvSpPr>
+          <p:cNvPr id="3" name="Notes Placeholder 2"/>
+          <p:cNvSpPr>
+            <a:spLocks noGrp="1"/>
+          </p:cNvSpPr>
+          <p:nvPr>
+            <p:ph type="body" idx="1"/>
+          </p:nvPr>
+        </p:nvSpPr>
+        <p:spPr/>
+        <p:txBody>
+          <a:bodyPr/>
+          <a:lstStyle/>
+          <a:p>
+            <a:r>
+              <a:rPr lang="en-US" b="0" i="0" dirty="0">
+                <a:solidFill>
+                  <a:srgbClr val="616161"/>
+                </a:solidFill>
+                <a:effectLst/>
+                <a:latin typeface="Roboto"/>
+              </a:rPr>
+              <a:t>Bidirectional Encoder Representations from Transformers</a:t>
+            </a:r>
+            <a:endParaRPr lang="en-US" dirty="0"/>
+          </a:p>
+        </p:txBody>
+      </p:sp>
+      <p:sp>
+        <p:nvSpPr>
+          <p:cNvPr id="4" name="Slide Number Placeholder 3"/>
+          <p:cNvSpPr>
+            <a:spLocks noGrp="1"/>
+          </p:cNvSpPr>
+          <p:nvPr>
+            <p:ph type="sldNum" sz="quarter" idx="5"/>
+          </p:nvPr>
+        </p:nvSpPr>
+        <p:spPr/>
+        <p:txBody>
+          <a:bodyPr/>
+          <a:lstStyle/>
+          <a:p>
+            <a:fld id="{E5D74B41-F3C5-4511-B62C-9B4A3DFE4FE6}" type="slidenum">
+              <a:rPr lang="en-US" smtClean="0"/>
+              <a:t>6</a:t>
+            </a:fld>
+            <a:endParaRPr lang="en-US"/>
+          </a:p>
+        </p:txBody>
+      </p:sp>
+    </p:spTree>
+    <p:extLst>
+      <p:ext uri="{BB962C8B-B14F-4D97-AF65-F5344CB8AC3E}">
+        <p14:creationId xmlns:p14="http://schemas.microsoft.com/office/powerpoint/2010/main" val="3383505036"/>
+      </p:ext>
+    </p:extLst>
+  </p:cSld>
+  <p:clrMapOvr>
+    <a:masterClrMapping/>
+  </p:clrMapOvr>
+</p:notes>
+</file>
+
+<file path=ppt/notesSlides/notesSlide4.xml><?xml version="1.0" encoding="utf-8"?>
+<p:notes xmlns:a="http://schemas.openxmlformats.org/drawingml/2006/main" xmlns:r="http://schemas.openxmlformats.org/officeDocument/2006/relationships" xmlns:p="http://schemas.openxmlformats.org/presentationml/2006/main">
+  <p:cSld>
+    <p:spTree>
+      <p:nvGrpSpPr>
+        <p:cNvPr id="1" name=""/>
+        <p:cNvGrpSpPr/>
+        <p:nvPr/>
+      </p:nvGrpSpPr>
+      <p:grpSpPr>
+        <a:xfrm>
+          <a:off x="0" y="0"/>
+          <a:ext cx="0" cy="0"/>
+          <a:chOff x="0" y="0"/>
+          <a:chExt cx="0" cy="0"/>
+        </a:xfrm>
+      </p:grpSpPr>
+      <p:sp>
+        <p:nvSpPr>
+          <p:cNvPr id="2" name="Slide Image Placeholder 1"/>
+          <p:cNvSpPr>
+            <a:spLocks noGrp="1" noRot="1" noChangeAspect="1"/>
+          </p:cNvSpPr>
+          <p:nvPr>
+            <p:ph type="sldImg"/>
+          </p:nvPr>
+        </p:nvSpPr>
+        <p:spPr/>
+      </p:sp>
+      <p:sp>
+        <p:nvSpPr>
+          <p:cNvPr id="3" name="Notes Placeholder 2"/>
+          <p:cNvSpPr>
+            <a:spLocks noGrp="1"/>
+          </p:cNvSpPr>
+          <p:nvPr>
+            <p:ph type="body" idx="1"/>
+          </p:nvPr>
+        </p:nvSpPr>
+        <p:spPr/>
+        <p:txBody>
+          <a:bodyPr/>
+          <a:lstStyle/>
+          <a:p>
+            <a:r>
+              <a:rPr lang="en-US" b="0" i="0" dirty="0">
+                <a:solidFill>
+                  <a:srgbClr val="616161"/>
+                </a:solidFill>
+                <a:effectLst/>
+                <a:latin typeface="Roboto"/>
+              </a:rPr>
+              <a:t>Bidirectional Encoder Representations from Transformers</a:t>
+            </a:r>
+            <a:endParaRPr lang="en-US" dirty="0"/>
+          </a:p>
+        </p:txBody>
+      </p:sp>
+      <p:sp>
+        <p:nvSpPr>
+          <p:cNvPr id="4" name="Slide Number Placeholder 3"/>
+          <p:cNvSpPr>
+            <a:spLocks noGrp="1"/>
+          </p:cNvSpPr>
+          <p:nvPr>
+            <p:ph type="sldNum" sz="quarter" idx="5"/>
+          </p:nvPr>
+        </p:nvSpPr>
+        <p:spPr/>
+        <p:txBody>
+          <a:bodyPr/>
+          <a:lstStyle/>
+          <a:p>
+            <a:fld id="{E5D74B41-F3C5-4511-B62C-9B4A3DFE4FE6}" type="slidenum">
+              <a:rPr lang="en-US" smtClean="0"/>
+              <a:t>7</a:t>
+            </a:fld>
+            <a:endParaRPr lang="en-US"/>
+          </a:p>
+        </p:txBody>
+      </p:sp>
+    </p:spTree>
+    <p:extLst>
+      <p:ext uri="{BB962C8B-B14F-4D97-AF65-F5344CB8AC3E}">
+        <p14:creationId xmlns:p14="http://schemas.microsoft.com/office/powerpoint/2010/main" val="4162694151"/>
+      </p:ext>
+    </p:extLst>
+  </p:cSld>
+  <p:clrMapOvr>
+    <a:masterClrMapping/>
+  </p:clrMapOvr>
+</p:notes>
+</file>
+
+<file path=ppt/notesSlides/notesSlide5.xml><?xml version="1.0" encoding="utf-8"?>
+<p:notes xmlns:a="http://schemas.openxmlformats.org/drawingml/2006/main" xmlns:r="http://schemas.openxmlformats.org/officeDocument/2006/relationships" xmlns:p="http://schemas.openxmlformats.org/presentationml/2006/main">
+  <p:cSld>
+    <p:spTree>
+      <p:nvGrpSpPr>
+        <p:cNvPr id="1" name=""/>
+        <p:cNvGrpSpPr/>
+        <p:nvPr/>
+      </p:nvGrpSpPr>
+      <p:grpSpPr>
+        <a:xfrm>
+          <a:off x="0" y="0"/>
+          <a:ext cx="0" cy="0"/>
+          <a:chOff x="0" y="0"/>
+          <a:chExt cx="0" cy="0"/>
+        </a:xfrm>
+      </p:grpSpPr>
+      <p:sp>
+        <p:nvSpPr>
+          <p:cNvPr id="2" name="Slide Image Placeholder 1"/>
+          <p:cNvSpPr>
+            <a:spLocks noGrp="1" noRot="1" noChangeAspect="1"/>
+          </p:cNvSpPr>
+          <p:nvPr>
+            <p:ph type="sldImg"/>
+          </p:nvPr>
+        </p:nvSpPr>
+        <p:spPr/>
+      </p:sp>
+      <p:sp>
+        <p:nvSpPr>
+          <p:cNvPr id="3" name="Notes Placeholder 2"/>
+          <p:cNvSpPr>
+            <a:spLocks noGrp="1"/>
+          </p:cNvSpPr>
+          <p:nvPr>
+            <p:ph type="body" idx="1"/>
+          </p:nvPr>
+        </p:nvSpPr>
+        <p:spPr/>
+        <p:txBody>
+          <a:bodyPr/>
+          <a:lstStyle/>
+          <a:p>
+            <a:r>
+              <a:rPr lang="en-US" dirty="0"/>
+              <a:t>Sigmoid gradient descent </a:t>
             </a:r>
           </a:p>
         </p:txBody>
@@ -636,6 +906,105 @@
             <a:fld id="{E5D74B41-F3C5-4511-B62C-9B4A3DFE4FE6}" type="slidenum">
               <a:rPr lang="en-US" smtClean="0"/>
               <a:t>8</a:t>
+            </a:fld>
+            <a:endParaRPr lang="en-US"/>
+          </a:p>
+        </p:txBody>
+      </p:sp>
+    </p:spTree>
+    <p:extLst>
+      <p:ext uri="{BB962C8B-B14F-4D97-AF65-F5344CB8AC3E}">
+        <p14:creationId xmlns:p14="http://schemas.microsoft.com/office/powerpoint/2010/main" val="3652992336"/>
+      </p:ext>
+    </p:extLst>
+  </p:cSld>
+  <p:clrMapOvr>
+    <a:masterClrMapping/>
+  </p:clrMapOvr>
+</p:notes>
+</file>
+
+<file path=ppt/notesSlides/notesSlide6.xml><?xml version="1.0" encoding="utf-8"?>
+<p:notes xmlns:a="http://schemas.openxmlformats.org/drawingml/2006/main" xmlns:r="http://schemas.openxmlformats.org/officeDocument/2006/relationships" xmlns:p="http://schemas.openxmlformats.org/presentationml/2006/main">
+  <p:cSld>
+    <p:spTree>
+      <p:nvGrpSpPr>
+        <p:cNvPr id="1" name=""/>
+        <p:cNvGrpSpPr/>
+        <p:nvPr/>
+      </p:nvGrpSpPr>
+      <p:grpSpPr>
+        <a:xfrm>
+          <a:off x="0" y="0"/>
+          <a:ext cx="0" cy="0"/>
+          <a:chOff x="0" y="0"/>
+          <a:chExt cx="0" cy="0"/>
+        </a:xfrm>
+      </p:grpSpPr>
+      <p:sp>
+        <p:nvSpPr>
+          <p:cNvPr id="2" name="Slide Image Placeholder 1"/>
+          <p:cNvSpPr>
+            <a:spLocks noGrp="1" noRot="1" noChangeAspect="1"/>
+          </p:cNvSpPr>
+          <p:nvPr>
+            <p:ph type="sldImg"/>
+          </p:nvPr>
+        </p:nvSpPr>
+        <p:spPr/>
+      </p:sp>
+      <p:sp>
+        <p:nvSpPr>
+          <p:cNvPr id="3" name="Notes Placeholder 2"/>
+          <p:cNvSpPr>
+            <a:spLocks noGrp="1"/>
+          </p:cNvSpPr>
+          <p:nvPr>
+            <p:ph type="body" idx="1"/>
+          </p:nvPr>
+        </p:nvSpPr>
+        <p:spPr/>
+        <p:txBody>
+          <a:bodyPr/>
+          <a:lstStyle/>
+          <a:p>
+            <a:r>
+              <a:rPr lang="en-US" dirty="0"/>
+              <a:t>Adaptive moment estimation</a:t>
+            </a:r>
+          </a:p>
+          <a:p>
+            <a:r>
+              <a:rPr lang="en-US" dirty="0"/>
+              <a:t>Losses begin to converge, with more epochs they diverge again</a:t>
+            </a:r>
+          </a:p>
+          <a:p>
+            <a:r>
+              <a:rPr lang="en-US" dirty="0"/>
+              <a:t>Bring the loss to about 6</a:t>
+            </a:r>
+          </a:p>
+        </p:txBody>
+      </p:sp>
+      <p:sp>
+        <p:nvSpPr>
+          <p:cNvPr id="4" name="Slide Number Placeholder 3"/>
+          <p:cNvSpPr>
+            <a:spLocks noGrp="1"/>
+          </p:cNvSpPr>
+          <p:nvPr>
+            <p:ph type="sldNum" sz="quarter" idx="5"/>
+          </p:nvPr>
+        </p:nvSpPr>
+        <p:spPr/>
+        <p:txBody>
+          <a:bodyPr/>
+          <a:lstStyle/>
+          <a:p>
+            <a:fld id="{E5D74B41-F3C5-4511-B62C-9B4A3DFE4FE6}" type="slidenum">
+              <a:rPr lang="en-US" smtClean="0"/>
+              <a:t>10</a:t>
             </a:fld>
             <a:endParaRPr lang="en-US"/>
           </a:p>
@@ -3959,6 +4328,328 @@
 </file>
 
 <file path=ppt/slides/slide10.xml><?xml version="1.0" encoding="utf-8"?>
+<p:sld xmlns:a="http://schemas.openxmlformats.org/drawingml/2006/main" xmlns:r="http://schemas.openxmlformats.org/officeDocument/2006/relationships" xmlns:p="http://schemas.openxmlformats.org/presentationml/2006/main">
+  <p:cSld>
+    <p:spTree>
+      <p:nvGrpSpPr>
+        <p:cNvPr id="1" name=""/>
+        <p:cNvGrpSpPr/>
+        <p:nvPr/>
+      </p:nvGrpSpPr>
+      <p:grpSpPr>
+        <a:xfrm>
+          <a:off x="0" y="0"/>
+          <a:ext cx="0" cy="0"/>
+          <a:chOff x="0" y="0"/>
+          <a:chExt cx="0" cy="0"/>
+        </a:xfrm>
+      </p:grpSpPr>
+      <p:sp>
+        <p:nvSpPr>
+          <p:cNvPr id="2" name="Title 1">
+            <a:extLst>
+              <a:ext uri="{FF2B5EF4-FFF2-40B4-BE49-F238E27FC236}">
+                <a16:creationId xmlns:a16="http://schemas.microsoft.com/office/drawing/2014/main" id="{372A92DB-687E-4877-ADB7-0666F3A80649}"/>
+              </a:ext>
+            </a:extLst>
+          </p:cNvPr>
+          <p:cNvSpPr>
+            <a:spLocks noGrp="1"/>
+          </p:cNvSpPr>
+          <p:nvPr>
+            <p:ph type="title"/>
+          </p:nvPr>
+        </p:nvSpPr>
+        <p:spPr/>
+        <p:txBody>
+          <a:bodyPr/>
+          <a:lstStyle/>
+          <a:p>
+            <a:r>
+              <a:rPr lang="en-US" dirty="0"/>
+              <a:t>Adam Optimizer</a:t>
+            </a:r>
+          </a:p>
+        </p:txBody>
+      </p:sp>
+      <p:sp>
+        <p:nvSpPr>
+          <p:cNvPr id="4" name="TextBox 3">
+            <a:extLst>
+              <a:ext uri="{FF2B5EF4-FFF2-40B4-BE49-F238E27FC236}">
+                <a16:creationId xmlns:a16="http://schemas.microsoft.com/office/drawing/2014/main" id="{CEAC8F9F-A291-4107-ADA1-1ED66C9937B5}"/>
+              </a:ext>
+            </a:extLst>
+          </p:cNvPr>
+          <p:cNvSpPr txBox="1"/>
+          <p:nvPr/>
+        </p:nvSpPr>
+        <p:spPr>
+          <a:xfrm>
+            <a:off x="838200" y="1869546"/>
+            <a:ext cx="4364208" cy="523220"/>
+          </a:xfrm>
+          <a:prstGeom prst="rect">
+            <a:avLst/>
+          </a:prstGeom>
+          <a:noFill/>
+        </p:spPr>
+        <p:txBody>
+          <a:bodyPr wrap="none" rtlCol="0">
+            <a:spAutoFit/>
+          </a:bodyPr>
+          <a:lstStyle/>
+          <a:p>
+            <a:r>
+              <a:rPr lang="en-US" sz="2800" dirty="0"/>
+              <a:t>Input: “I would like to apply”</a:t>
+            </a:r>
+          </a:p>
+        </p:txBody>
+      </p:sp>
+      <p:pic>
+        <p:nvPicPr>
+          <p:cNvPr id="3078" name="Picture 6">
+            <a:extLst>
+              <a:ext uri="{FF2B5EF4-FFF2-40B4-BE49-F238E27FC236}">
+                <a16:creationId xmlns:a16="http://schemas.microsoft.com/office/drawing/2014/main" id="{3B63B73D-3292-4360-8CAE-0FFD8B76C554}"/>
+              </a:ext>
+            </a:extLst>
+          </p:cNvPr>
+          <p:cNvPicPr>
+            <a:picLocks noChangeAspect="1" noChangeArrowheads="1"/>
+          </p:cNvPicPr>
+          <p:nvPr/>
+        </p:nvPicPr>
+        <p:blipFill>
+          <a:blip r:embed="rId3">
+            <a:extLst>
+              <a:ext uri="{28A0092B-C50C-407E-A947-70E740481C1C}">
+                <a14:useLocalDpi xmlns:a14="http://schemas.microsoft.com/office/drawing/2010/main" val="0"/>
+              </a:ext>
+            </a:extLst>
+          </a:blip>
+          <a:srcRect/>
+          <a:stretch>
+            <a:fillRect/>
+          </a:stretch>
+        </p:blipFill>
+        <p:spPr bwMode="auto">
+          <a:xfrm>
+            <a:off x="3559479" y="2742062"/>
+            <a:ext cx="5073042" cy="3750813"/>
+          </a:xfrm>
+          <a:prstGeom prst="rect">
+            <a:avLst/>
+          </a:prstGeom>
+          <a:noFill/>
+          <a:extLst>
+            <a:ext uri="{909E8E84-426E-40DD-AFC4-6F175D3DCCD1}">
+              <a14:hiddenFill xmlns:a14="http://schemas.microsoft.com/office/drawing/2010/main">
+                <a:solidFill>
+                  <a:srgbClr val="FFFFFF"/>
+                </a:solidFill>
+              </a14:hiddenFill>
+            </a:ext>
+          </a:extLst>
+        </p:spPr>
+      </p:pic>
+    </p:spTree>
+    <p:extLst>
+      <p:ext uri="{BB962C8B-B14F-4D97-AF65-F5344CB8AC3E}">
+        <p14:creationId xmlns:p14="http://schemas.microsoft.com/office/powerpoint/2010/main" val="4041833578"/>
+      </p:ext>
+    </p:extLst>
+  </p:cSld>
+  <p:clrMapOvr>
+    <a:masterClrMapping/>
+  </p:clrMapOvr>
+</p:sld>
+</file>
+
+<file path=ppt/slides/slide11.xml><?xml version="1.0" encoding="utf-8"?>
+<p:sld xmlns:a="http://schemas.openxmlformats.org/drawingml/2006/main" xmlns:r="http://schemas.openxmlformats.org/officeDocument/2006/relationships" xmlns:p="http://schemas.openxmlformats.org/presentationml/2006/main">
+  <p:cSld>
+    <p:spTree>
+      <p:nvGrpSpPr>
+        <p:cNvPr id="1" name=""/>
+        <p:cNvGrpSpPr/>
+        <p:nvPr/>
+      </p:nvGrpSpPr>
+      <p:grpSpPr>
+        <a:xfrm>
+          <a:off x="0" y="0"/>
+          <a:ext cx="0" cy="0"/>
+          <a:chOff x="0" y="0"/>
+          <a:chExt cx="0" cy="0"/>
+        </a:xfrm>
+      </p:grpSpPr>
+      <p:sp>
+        <p:nvSpPr>
+          <p:cNvPr id="2" name="Title 1">
+            <a:extLst>
+              <a:ext uri="{FF2B5EF4-FFF2-40B4-BE49-F238E27FC236}">
+                <a16:creationId xmlns:a16="http://schemas.microsoft.com/office/drawing/2014/main" id="{372A92DB-687E-4877-ADB7-0666F3A80649}"/>
+              </a:ext>
+            </a:extLst>
+          </p:cNvPr>
+          <p:cNvSpPr>
+            <a:spLocks noGrp="1"/>
+          </p:cNvSpPr>
+          <p:nvPr>
+            <p:ph type="title"/>
+          </p:nvPr>
+        </p:nvSpPr>
+        <p:spPr/>
+        <p:txBody>
+          <a:bodyPr/>
+          <a:lstStyle/>
+          <a:p>
+            <a:r>
+              <a:rPr lang="en-US" dirty="0"/>
+              <a:t>Adam Optimizer</a:t>
+            </a:r>
+          </a:p>
+        </p:txBody>
+      </p:sp>
+      <p:sp>
+        <p:nvSpPr>
+          <p:cNvPr id="4" name="TextBox 3">
+            <a:extLst>
+              <a:ext uri="{FF2B5EF4-FFF2-40B4-BE49-F238E27FC236}">
+                <a16:creationId xmlns:a16="http://schemas.microsoft.com/office/drawing/2014/main" id="{CEAC8F9F-A291-4107-ADA1-1ED66C9937B5}"/>
+              </a:ext>
+            </a:extLst>
+          </p:cNvPr>
+          <p:cNvSpPr txBox="1"/>
+          <p:nvPr/>
+        </p:nvSpPr>
+        <p:spPr>
+          <a:xfrm>
+            <a:off x="731668" y="2437717"/>
+            <a:ext cx="10645030" cy="2246769"/>
+          </a:xfrm>
+          <a:prstGeom prst="rect">
+            <a:avLst/>
+          </a:prstGeom>
+          <a:noFill/>
+        </p:spPr>
+        <p:txBody>
+          <a:bodyPr wrap="none" rtlCol="0">
+            <a:spAutoFit/>
+          </a:bodyPr>
+          <a:lstStyle/>
+          <a:p>
+            <a:r>
+              <a:rPr lang="en-US" sz="2800" dirty="0"/>
+              <a:t>Output: “I would like to apply on-strategy </a:t>
+            </a:r>
+            <a:r>
+              <a:rPr lang="en-US" sz="2800" dirty="0">
+                <a:solidFill>
+                  <a:schemeClr val="accent1">
+                    <a:lumMod val="75000"/>
+                  </a:schemeClr>
+                </a:solidFill>
+              </a:rPr>
+              <a:t>[</a:t>
+            </a:r>
+            <a:r>
+              <a:rPr lang="en-US" sz="2800" dirty="0" err="1">
+                <a:solidFill>
+                  <a:schemeClr val="accent1">
+                    <a:lumMod val="75000"/>
+                  </a:schemeClr>
+                </a:solidFill>
+              </a:rPr>
+              <a:t>yourcompany</a:t>
+            </a:r>
+            <a:r>
+              <a:rPr lang="en-US" sz="2800" dirty="0">
+                <a:solidFill>
+                  <a:schemeClr val="accent1">
+                    <a:lumMod val="75000"/>
+                  </a:schemeClr>
+                </a:solidFill>
+              </a:rPr>
+              <a:t>]</a:t>
+            </a:r>
+            <a:r>
+              <a:rPr lang="en-US" sz="2800" dirty="0"/>
+              <a:t> consideration </a:t>
+            </a:r>
+          </a:p>
+          <a:p>
+            <a:r>
+              <a:rPr lang="en-US" sz="2800" dirty="0"/>
+              <a:t>	     a </a:t>
+            </a:r>
+            <a:r>
+              <a:rPr lang="en-US" sz="2800" dirty="0">
+                <a:solidFill>
+                  <a:schemeClr val="accent1">
+                    <a:lumMod val="75000"/>
+                  </a:schemeClr>
+                </a:solidFill>
+              </a:rPr>
+              <a:t>[</a:t>
+            </a:r>
+            <a:r>
+              <a:rPr lang="en-US" sz="2800" dirty="0" err="1">
+                <a:solidFill>
+                  <a:schemeClr val="accent1">
+                    <a:lumMod val="75000"/>
+                  </a:schemeClr>
+                </a:solidFill>
+              </a:rPr>
+              <a:t>yourcompany</a:t>
+            </a:r>
+            <a:r>
+              <a:rPr lang="en-US" sz="2800" dirty="0">
+                <a:solidFill>
+                  <a:schemeClr val="accent1">
+                    <a:lumMod val="75000"/>
+                  </a:schemeClr>
+                </a:solidFill>
+              </a:rPr>
+              <a:t>]</a:t>
+            </a:r>
+            <a:r>
+              <a:rPr lang="en-US" sz="2800" dirty="0"/>
+              <a:t> problem-solving confident the me passionate</a:t>
+            </a:r>
+          </a:p>
+          <a:p>
+            <a:r>
+              <a:rPr lang="en-US" sz="2800" dirty="0"/>
+              <a:t>	     cost me passionate cost me passionate cost me passionate</a:t>
+            </a:r>
+          </a:p>
+          <a:p>
+            <a:r>
+              <a:rPr lang="en-US" sz="2800" dirty="0"/>
+              <a:t>	     cost me passionate cost me passionate”</a:t>
+            </a:r>
+          </a:p>
+          <a:p>
+            <a:endParaRPr lang="en-US" sz="2800" dirty="0"/>
+          </a:p>
+        </p:txBody>
+      </p:sp>
+    </p:spTree>
+    <p:extLst>
+      <p:ext uri="{BB962C8B-B14F-4D97-AF65-F5344CB8AC3E}">
+        <p14:creationId xmlns:p14="http://schemas.microsoft.com/office/powerpoint/2010/main" val="3506048576"/>
+      </p:ext>
+    </p:extLst>
+  </p:cSld>
+  <p:clrMapOvr>
+    <a:masterClrMapping/>
+  </p:clrMapOvr>
+</p:sld>
+</file>
+
+<file path=ppt/slides/slide12.xml><?xml version="1.0" encoding="utf-8"?>
 <p:sld xmlns:a="http://schemas.openxmlformats.org/drawingml/2006/main" xmlns:r="http://schemas.openxmlformats.org/officeDocument/2006/relationships" xmlns:p="http://schemas.openxmlformats.org/presentationml/2006/main">
   <p:cSld>
     <p:spTree>
@@ -4874,7 +5565,7 @@
           <p:nvPr/>
         </p:nvPicPr>
         <p:blipFill>
-          <a:blip r:embed="rId2">
+          <a:blip r:embed="rId3">
             <a:extLst>
               <a:ext uri="{28A0092B-C50C-407E-A947-70E740481C1C}">
                 <a14:useLocalDpi xmlns:a14="http://schemas.microsoft.com/office/drawing/2010/main" val="0"/>
@@ -4934,7 +5625,7 @@
                 </a:solidFill>
                 <a:effectLst/>
                 <a:latin typeface="verdana" panose="020B0604030504040204" pitchFamily="34" charset="0"/>
-                <a:hlinkClick r:id="rId3"/>
+                <a:hlinkClick r:id="rId4"/>
               </a:rPr>
               <a:t>Majikthese</a:t>
             </a:r>
@@ -5022,7 +5713,7 @@
           <p:nvPr/>
         </p:nvPicPr>
         <p:blipFill>
-          <a:blip r:embed="rId2">
+          <a:blip r:embed="rId3">
             <a:extLst>
               <a:ext uri="{28A0092B-C50C-407E-A947-70E740481C1C}">
                 <a14:useLocalDpi xmlns:a14="http://schemas.microsoft.com/office/drawing/2010/main" val="0"/>
@@ -5082,7 +5773,7 @@
                 </a:solidFill>
                 <a:effectLst/>
                 <a:latin typeface="verdana" panose="020B0604030504040204" pitchFamily="34" charset="0"/>
-                <a:hlinkClick r:id="rId3"/>
+                <a:hlinkClick r:id="rId4"/>
               </a:rPr>
               <a:t>lightningboy</a:t>
             </a:r>
@@ -5093,7 +5784,7 @@
                 </a:solidFill>
                 <a:effectLst/>
                 <a:latin typeface="verdana" panose="020B0604030504040204" pitchFamily="34" charset="0"/>
-                <a:hlinkClick r:id="rId3"/>
+                <a:hlinkClick r:id="rId4"/>
               </a:rPr>
               <a:t>_</a:t>
             </a:r>
@@ -5988,7 +6679,7 @@
           <p:cNvPr id="2" name="Title 1">
             <a:extLst>
               <a:ext uri="{FF2B5EF4-FFF2-40B4-BE49-F238E27FC236}">
-                <a16:creationId xmlns:a16="http://schemas.microsoft.com/office/drawing/2014/main" id="{272F513E-014E-482B-8147-26B57A37E056}"/>
+                <a16:creationId xmlns:a16="http://schemas.microsoft.com/office/drawing/2014/main" id="{22C8316D-3FDB-41FE-B7CE-79190F5C5293}"/>
               </a:ext>
             </a:extLst>
           </p:cNvPr>
@@ -6016,7 +6707,7 @@
           <p:cNvPr id="3" name="Content Placeholder 2">
             <a:extLst>
               <a:ext uri="{FF2B5EF4-FFF2-40B4-BE49-F238E27FC236}">
-                <a16:creationId xmlns:a16="http://schemas.microsoft.com/office/drawing/2014/main" id="{1DDED87C-DC1D-46F1-A286-9AC36010BFA4}"/>
+                <a16:creationId xmlns:a16="http://schemas.microsoft.com/office/drawing/2014/main" id="{5CE6086A-1558-4F2A-BCD7-701F3EABD704}"/>
               </a:ext>
             </a:extLst>
           </p:cNvPr>
@@ -6032,102 +6723,149 @@
           <a:bodyPr/>
           <a:lstStyle/>
           <a:p>
+            <a:pPr marL="0" indent="0" algn="ctr">
+              <a:buNone/>
+            </a:pPr>
             <a:r>
               <a:rPr lang="en-US" dirty="0"/>
-              <a:t>BERT Encoder</a:t>
-            </a:r>
-          </a:p>
-          <a:p>
+              <a:t>“I would like to apply for the Data Scientist position at </a:t>
+            </a:r>
+            <a:r>
+              <a:rPr lang="en-US" dirty="0" err="1"/>
+              <a:t>Thinkful</a:t>
+            </a:r>
             <a:r>
               <a:rPr lang="en-US" dirty="0"/>
-              <a:t>LSTM neural net</a:t>
-            </a:r>
-          </a:p>
-        </p:txBody>
-      </p:sp>
-      <p:pic>
-        <p:nvPicPr>
-          <p:cNvPr id="2050" name="Picture 2" descr="BERT in Keras with Tensorflow hub | by Jacob Zweig | Towards Data Science">
-            <a:extLst>
-              <a:ext uri="{FF2B5EF4-FFF2-40B4-BE49-F238E27FC236}">
-                <a16:creationId xmlns:a16="http://schemas.microsoft.com/office/drawing/2014/main" id="{900AF3EC-EFB8-40ED-BC91-5F4B8DF14F6A}"/>
-              </a:ext>
-            </a:extLst>
-          </p:cNvPr>
-          <p:cNvPicPr>
-            <a:picLocks noChangeAspect="1" noChangeArrowheads="1"/>
-          </p:cNvPicPr>
+              <a:t>”</a:t>
+            </a:r>
+          </a:p>
+        </p:txBody>
+      </p:sp>
+      <p:sp>
+        <p:nvSpPr>
+          <p:cNvPr id="4" name="Arrow: Down 3">
+            <a:extLst>
+              <a:ext uri="{FF2B5EF4-FFF2-40B4-BE49-F238E27FC236}">
+                <a16:creationId xmlns:a16="http://schemas.microsoft.com/office/drawing/2014/main" id="{B852409C-0214-4C4C-83CE-04A2EAC6F79C}"/>
+              </a:ext>
+            </a:extLst>
+          </p:cNvPr>
+          <p:cNvSpPr/>
           <p:nvPr/>
-        </p:nvPicPr>
-        <p:blipFill rotWithShape="1">
-          <a:blip r:embed="rId3">
-            <a:extLst>
-              <a:ext uri="{28A0092B-C50C-407E-A947-70E740481C1C}">
-                <a14:useLocalDpi xmlns:a14="http://schemas.microsoft.com/office/drawing/2010/main" val="0"/>
-              </a:ext>
-            </a:extLst>
-          </a:blip>
-          <a:srcRect r="72496"/>
-          <a:stretch/>
-        </p:blipFill>
-        <p:spPr bwMode="auto">
+        </p:nvSpPr>
+        <p:spPr>
           <a:xfrm>
-            <a:off x="5265430" y="1825625"/>
-            <a:ext cx="5405813" cy="4552830"/>
+            <a:off x="5255582" y="2388093"/>
+            <a:ext cx="938074" cy="1040907"/>
+          </a:xfrm>
+          <a:prstGeom prst="downArrow">
+            <a:avLst/>
+          </a:prstGeom>
+        </p:spPr>
+        <p:style>
+          <a:lnRef idx="2">
+            <a:schemeClr val="accent1">
+              <a:shade val="50000"/>
+            </a:schemeClr>
+          </a:lnRef>
+          <a:fillRef idx="1">
+            <a:schemeClr val="accent1"/>
+          </a:fillRef>
+          <a:effectRef idx="0">
+            <a:schemeClr val="accent1"/>
+          </a:effectRef>
+          <a:fontRef idx="minor">
+            <a:schemeClr val="lt1"/>
+          </a:fontRef>
+        </p:style>
+        <p:txBody>
+          <a:bodyPr rtlCol="0" anchor="ctr"/>
+          <a:lstStyle/>
+          <a:p>
+            <a:pPr algn="ctr"/>
+            <a:endParaRPr lang="en-US"/>
+          </a:p>
+        </p:txBody>
+      </p:sp>
+      <p:sp>
+        <p:nvSpPr>
+          <p:cNvPr id="5" name="TextBox 4">
+            <a:extLst>
+              <a:ext uri="{FF2B5EF4-FFF2-40B4-BE49-F238E27FC236}">
+                <a16:creationId xmlns:a16="http://schemas.microsoft.com/office/drawing/2014/main" id="{CF9FECD4-6D57-43C2-8790-7BABCAE02861}"/>
+              </a:ext>
+            </a:extLst>
+          </p:cNvPr>
+          <p:cNvSpPr txBox="1"/>
+          <p:nvPr/>
+        </p:nvSpPr>
+        <p:spPr>
+          <a:xfrm>
+            <a:off x="4859044" y="3739271"/>
+            <a:ext cx="1722268" cy="523220"/>
           </a:xfrm>
           <a:prstGeom prst="rect">
             <a:avLst/>
           </a:prstGeom>
           <a:noFill/>
-          <a:extLst>
-            <a:ext uri="{909E8E84-426E-40DD-AFC4-6F175D3DCCD1}">
-              <a14:hiddenFill xmlns:a14="http://schemas.microsoft.com/office/drawing/2010/main">
-                <a:solidFill>
-                  <a:srgbClr val="FFFFFF"/>
-                </a:solidFill>
-              </a14:hiddenFill>
-            </a:ext>
-          </a:extLst>
-        </p:spPr>
-      </p:pic>
-      <p:sp>
-        <p:nvSpPr>
-          <p:cNvPr id="4" name="Rectangle 3">
-            <a:extLst>
-              <a:ext uri="{FF2B5EF4-FFF2-40B4-BE49-F238E27FC236}">
-                <a16:creationId xmlns:a16="http://schemas.microsoft.com/office/drawing/2014/main" id="{F2E0D942-93C0-4773-B3C1-4276C5E024EE}"/>
-              </a:ext>
-            </a:extLst>
-          </p:cNvPr>
-          <p:cNvSpPr/>
-          <p:nvPr/>
-        </p:nvSpPr>
-        <p:spPr>
-          <a:xfrm>
-            <a:off x="6935821" y="1976233"/>
-            <a:ext cx="2359181" cy="464963"/>
-          </a:xfrm>
-          <a:prstGeom prst="rect">
-            <a:avLst/>
-          </a:prstGeom>
           <a:ln>
             <a:solidFill>
-              <a:schemeClr val="bg1"/>
+              <a:schemeClr val="accent1">
+                <a:lumMod val="60000"/>
+                <a:lumOff val="40000"/>
+              </a:schemeClr>
             </a:solidFill>
           </a:ln>
         </p:spPr>
+        <p:txBody>
+          <a:bodyPr wrap="square" rtlCol="0">
+            <a:spAutoFit/>
+          </a:bodyPr>
+          <a:lstStyle/>
+          <a:p>
+            <a:pPr algn="ctr"/>
+            <a:r>
+              <a:rPr lang="en-US" sz="2800" dirty="0"/>
+              <a:t>Generator</a:t>
+            </a:r>
+          </a:p>
+        </p:txBody>
+      </p:sp>
+      <p:sp>
+        <p:nvSpPr>
+          <p:cNvPr id="7" name="Arrow: Down 6">
+            <a:extLst>
+              <a:ext uri="{FF2B5EF4-FFF2-40B4-BE49-F238E27FC236}">
+                <a16:creationId xmlns:a16="http://schemas.microsoft.com/office/drawing/2014/main" id="{0B416465-924E-4449-A4BD-6CA0A0D05AA2}"/>
+              </a:ext>
+            </a:extLst>
+          </p:cNvPr>
+          <p:cNvSpPr/>
+          <p:nvPr/>
+        </p:nvSpPr>
+        <p:spPr>
+          <a:xfrm>
+            <a:off x="5251141" y="4484703"/>
+            <a:ext cx="938074" cy="1040907"/>
+          </a:xfrm>
+          <a:prstGeom prst="downArrow">
+            <a:avLst/>
+          </a:prstGeom>
+        </p:spPr>
         <p:style>
           <a:lnRef idx="2">
-            <a:schemeClr val="dk1"/>
+            <a:schemeClr val="accent1">
+              <a:shade val="50000"/>
+            </a:schemeClr>
           </a:lnRef>
           <a:fillRef idx="1">
-            <a:schemeClr val="lt1"/>
+            <a:schemeClr val="accent1"/>
           </a:fillRef>
           <a:effectRef idx="0">
-            <a:schemeClr val="dk1"/>
+            <a:schemeClr val="accent1"/>
           </a:effectRef>
           <a:fontRef idx="minor">
-            <a:schemeClr val="dk1"/>
+            <a:schemeClr val="lt1"/>
           </a:fontRef>
         </p:style>
         <p:txBody>
@@ -6135,95 +6873,50 @@
           <a:lstStyle/>
           <a:p>
             <a:pPr algn="ctr"/>
-            <a:endParaRPr lang="en-US">
-              <a:ln>
-                <a:solidFill>
-                  <a:schemeClr val="bg1"/>
-                </a:solidFill>
-              </a:ln>
-              <a:solidFill>
-                <a:schemeClr val="bg1"/>
-              </a:solidFill>
-            </a:endParaRPr>
-          </a:p>
-        </p:txBody>
-      </p:sp>
-      <p:pic>
-        <p:nvPicPr>
-          <p:cNvPr id="2052" name="Picture 4" descr="BERT in Keras with Tensorflow hub | by Jacob Zweig | Towards Data Science">
-            <a:extLst>
-              <a:ext uri="{FF2B5EF4-FFF2-40B4-BE49-F238E27FC236}">
-                <a16:creationId xmlns:a16="http://schemas.microsoft.com/office/drawing/2014/main" id="{5C2A59DA-BE6D-48AD-BB5F-E692D052D4BE}"/>
-              </a:ext>
-            </a:extLst>
-          </p:cNvPr>
-          <p:cNvPicPr>
-            <a:picLocks noChangeAspect="1" noChangeArrowheads="1"/>
-          </p:cNvPicPr>
+            <a:endParaRPr lang="en-US"/>
+          </a:p>
+        </p:txBody>
+      </p:sp>
+      <p:sp>
+        <p:nvSpPr>
+          <p:cNvPr id="8" name="TextBox 7">
+            <a:extLst>
+              <a:ext uri="{FF2B5EF4-FFF2-40B4-BE49-F238E27FC236}">
+                <a16:creationId xmlns:a16="http://schemas.microsoft.com/office/drawing/2014/main" id="{FAC845BC-C9AF-40B9-B3B1-14E2C232A0B1}"/>
+              </a:ext>
+            </a:extLst>
+          </p:cNvPr>
+          <p:cNvSpPr txBox="1"/>
           <p:nvPr/>
-        </p:nvPicPr>
-        <p:blipFill rotWithShape="1">
-          <a:blip r:embed="rId3">
-            <a:extLst>
-              <a:ext uri="{28A0092B-C50C-407E-A947-70E740481C1C}">
-                <a14:useLocalDpi xmlns:a14="http://schemas.microsoft.com/office/drawing/2010/main" val="0"/>
-              </a:ext>
-            </a:extLst>
-          </a:blip>
-          <a:srcRect l="8467" t="3308" r="85496" b="86479"/>
-          <a:stretch/>
-        </p:blipFill>
-        <p:spPr bwMode="auto">
+        </p:nvSpPr>
+        <p:spPr>
           <a:xfrm>
-            <a:off x="7522113" y="1976233"/>
-            <a:ext cx="1186595" cy="464964"/>
+            <a:off x="4017144" y="5808879"/>
+            <a:ext cx="3406067" cy="523220"/>
           </a:xfrm>
           <a:prstGeom prst="rect">
             <a:avLst/>
           </a:prstGeom>
           <a:noFill/>
-          <a:extLst>
-            <a:ext uri="{909E8E84-426E-40DD-AFC4-6F175D3DCCD1}">
-              <a14:hiddenFill xmlns:a14="http://schemas.microsoft.com/office/drawing/2010/main">
-                <a:solidFill>
-                  <a:srgbClr val="FFFFFF"/>
-                </a:solidFill>
-              </a14:hiddenFill>
-            </a:ext>
-          </a:extLst>
+          <a:ln>
+            <a:solidFill>
+              <a:schemeClr val="accent1">
+                <a:lumMod val="60000"/>
+                <a:lumOff val="40000"/>
+              </a:schemeClr>
+            </a:solidFill>
+          </a:ln>
         </p:spPr>
-      </p:pic>
-      <p:sp>
-        <p:nvSpPr>
-          <p:cNvPr id="8" name="TextBox 7">
-            <a:extLst>
-              <a:ext uri="{FF2B5EF4-FFF2-40B4-BE49-F238E27FC236}">
-                <a16:creationId xmlns:a16="http://schemas.microsoft.com/office/drawing/2014/main" id="{1B259D41-D692-412D-910D-C1466CE8DC81}"/>
-              </a:ext>
-            </a:extLst>
-          </p:cNvPr>
-          <p:cNvSpPr txBox="1"/>
-          <p:nvPr/>
-        </p:nvSpPr>
-        <p:spPr>
-          <a:xfrm>
-            <a:off x="6034903" y="6492875"/>
-            <a:ext cx="7855619" cy="307777"/>
-          </a:xfrm>
-          <a:prstGeom prst="rect">
-            <a:avLst/>
-          </a:prstGeom>
-          <a:noFill/>
-        </p:spPr>
-        <p:txBody>
-          <a:bodyPr wrap="square">
+        <p:txBody>
+          <a:bodyPr wrap="square" rtlCol="0">
             <a:spAutoFit/>
           </a:bodyPr>
           <a:lstStyle/>
           <a:p>
-            <a:r>
-              <a:rPr lang="en-US" sz="1400" dirty="0"/>
-              <a:t>https://towardsdatascience.com/bert-in-keras-with-tensorflow-hub-76bcbc9417b</a:t>
+            <a:pPr algn="ctr"/>
+            <a:r>
+              <a:rPr lang="en-US" sz="2800" dirty="0"/>
+              <a:t>Unique Cover Letter</a:t>
             </a:r>
           </a:p>
         </p:txBody>
@@ -6231,7 +6924,7 @@
     </p:spTree>
     <p:extLst>
       <p:ext uri="{BB962C8B-B14F-4D97-AF65-F5344CB8AC3E}">
-        <p14:creationId xmlns:p14="http://schemas.microsoft.com/office/powerpoint/2010/main" val="4022161209"/>
+        <p14:creationId xmlns:p14="http://schemas.microsoft.com/office/powerpoint/2010/main" val="1316313815"/>
       </p:ext>
     </p:extLst>
   </p:cSld>
@@ -6263,6 +6956,1037 @@
           <p:cNvPr id="2" name="Title 1">
             <a:extLst>
               <a:ext uri="{FF2B5EF4-FFF2-40B4-BE49-F238E27FC236}">
+                <a16:creationId xmlns:a16="http://schemas.microsoft.com/office/drawing/2014/main" id="{272F513E-014E-482B-8147-26B57A37E056}"/>
+              </a:ext>
+            </a:extLst>
+          </p:cNvPr>
+          <p:cNvSpPr>
+            <a:spLocks noGrp="1"/>
+          </p:cNvSpPr>
+          <p:nvPr>
+            <p:ph type="title"/>
+          </p:nvPr>
+        </p:nvSpPr>
+        <p:spPr/>
+        <p:txBody>
+          <a:bodyPr/>
+          <a:lstStyle/>
+          <a:p>
+            <a:r>
+              <a:rPr lang="en-US" dirty="0"/>
+              <a:t>NLP and Deep Learning</a:t>
+            </a:r>
+          </a:p>
+        </p:txBody>
+      </p:sp>
+      <p:sp>
+        <p:nvSpPr>
+          <p:cNvPr id="3" name="Content Placeholder 2">
+            <a:extLst>
+              <a:ext uri="{FF2B5EF4-FFF2-40B4-BE49-F238E27FC236}">
+                <a16:creationId xmlns:a16="http://schemas.microsoft.com/office/drawing/2014/main" id="{1DDED87C-DC1D-46F1-A286-9AC36010BFA4}"/>
+              </a:ext>
+            </a:extLst>
+          </p:cNvPr>
+          <p:cNvSpPr>
+            <a:spLocks noGrp="1"/>
+          </p:cNvSpPr>
+          <p:nvPr>
+            <p:ph idx="1"/>
+          </p:nvPr>
+        </p:nvSpPr>
+        <p:spPr/>
+        <p:txBody>
+          <a:bodyPr/>
+          <a:lstStyle/>
+          <a:p>
+            <a:pPr marL="0" indent="0">
+              <a:buNone/>
+            </a:pPr>
+            <a:r>
+              <a:rPr lang="en-US" dirty="0"/>
+              <a:t>Input: “I would like to apply for the </a:t>
+            </a:r>
+            <a:r>
+              <a:rPr lang="en-US" dirty="0">
+                <a:solidFill>
+                  <a:schemeClr val="accent1">
+                    <a:lumMod val="75000"/>
+                  </a:schemeClr>
+                </a:solidFill>
+              </a:rPr>
+              <a:t>[Data Scientist]</a:t>
+            </a:r>
+            <a:r>
+              <a:rPr lang="en-US" dirty="0"/>
+              <a:t> position at 	 	  	</a:t>
+            </a:r>
+            <a:r>
+              <a:rPr lang="en-US" dirty="0">
+                <a:solidFill>
+                  <a:schemeClr val="accent1">
+                    <a:lumMod val="75000"/>
+                  </a:schemeClr>
+                </a:solidFill>
+              </a:rPr>
+              <a:t>[</a:t>
+            </a:r>
+            <a:r>
+              <a:rPr lang="en-US" dirty="0" err="1">
+                <a:solidFill>
+                  <a:schemeClr val="accent1">
+                    <a:lumMod val="75000"/>
+                  </a:schemeClr>
+                </a:solidFill>
+              </a:rPr>
+              <a:t>Thinkful</a:t>
+            </a:r>
+            <a:r>
+              <a:rPr lang="en-US" dirty="0">
+                <a:solidFill>
+                  <a:schemeClr val="accent1">
+                    <a:lumMod val="75000"/>
+                  </a:schemeClr>
+                </a:solidFill>
+              </a:rPr>
+              <a:t>]</a:t>
+            </a:r>
+            <a:r>
+              <a:rPr lang="en-US" dirty="0"/>
+              <a:t>”</a:t>
+            </a:r>
+          </a:p>
+          <a:p>
+            <a:pPr marL="0" indent="0">
+              <a:buNone/>
+            </a:pPr>
+            <a:endParaRPr lang="en-US" dirty="0"/>
+          </a:p>
+          <a:p>
+            <a:pPr marL="0" indent="0">
+              <a:buNone/>
+            </a:pPr>
+            <a:r>
+              <a:rPr lang="en-US" dirty="0"/>
+              <a:t>Sequence Length: 3</a:t>
+            </a:r>
+          </a:p>
+          <a:p>
+            <a:pPr marL="0" indent="0">
+              <a:buNone/>
+            </a:pPr>
+            <a:r>
+              <a:rPr lang="en-US" dirty="0"/>
+              <a:t>Step: 1</a:t>
+            </a:r>
+          </a:p>
+          <a:p>
+            <a:pPr marL="0" indent="0">
+              <a:buNone/>
+            </a:pPr>
+            <a:endParaRPr lang="en-US" dirty="0"/>
+          </a:p>
+          <a:p>
+            <a:pPr marL="0" indent="0">
+              <a:buNone/>
+            </a:pPr>
+            <a:endParaRPr lang="en-US" dirty="0"/>
+          </a:p>
+          <a:p>
+            <a:pPr marL="0" indent="0">
+              <a:buNone/>
+            </a:pPr>
+            <a:r>
+              <a:rPr lang="en-US" dirty="0"/>
+              <a:t>Output: “I would like”, “would like to”, “like to apply”, etc.</a:t>
+            </a:r>
+          </a:p>
+        </p:txBody>
+      </p:sp>
+    </p:spTree>
+    <p:extLst>
+      <p:ext uri="{BB962C8B-B14F-4D97-AF65-F5344CB8AC3E}">
+        <p14:creationId xmlns:p14="http://schemas.microsoft.com/office/powerpoint/2010/main" val="4022161209"/>
+      </p:ext>
+    </p:extLst>
+  </p:cSld>
+  <p:clrMapOvr>
+    <a:masterClrMapping/>
+  </p:clrMapOvr>
+  <p:timing>
+    <p:tnLst>
+      <p:par>
+        <p:cTn id="1" dur="indefinite" restart="never" nodeType="tmRoot">
+          <p:childTnLst>
+            <p:seq concurrent="1" nextAc="seek">
+              <p:cTn id="2" dur="indefinite" nodeType="mainSeq">
+                <p:childTnLst>
+                  <p:par>
+                    <p:cTn id="3" fill="hold">
+                      <p:stCondLst>
+                        <p:cond delay="indefinite"/>
+                      </p:stCondLst>
+                      <p:childTnLst>
+                        <p:par>
+                          <p:cTn id="4" fill="hold">
+                            <p:stCondLst>
+                              <p:cond delay="0"/>
+                            </p:stCondLst>
+                            <p:childTnLst>
+                              <p:par>
+                                <p:cTn id="5" presetID="1" presetClass="entr" presetSubtype="0" fill="hold" nodeType="clickEffect">
+                                  <p:stCondLst>
+                                    <p:cond delay="0"/>
+                                  </p:stCondLst>
+                                  <p:childTnLst>
+                                    <p:set>
+                                      <p:cBhvr>
+                                        <p:cTn id="6" dur="1" fill="hold">
+                                          <p:stCondLst>
+                                            <p:cond delay="0"/>
+                                          </p:stCondLst>
+                                        </p:cTn>
+                                        <p:tgtEl>
+                                          <p:spTgt spid="3">
+                                            <p:txEl>
+                                              <p:pRg st="2" end="2"/>
+                                            </p:txEl>
+                                          </p:spTgt>
+                                        </p:tgtEl>
+                                        <p:attrNameLst>
+                                          <p:attrName>style.visibility</p:attrName>
+                                        </p:attrNameLst>
+                                      </p:cBhvr>
+                                      <p:to>
+                                        <p:strVal val="visible"/>
+                                      </p:to>
+                                    </p:set>
+                                  </p:childTnLst>
+                                </p:cTn>
+                              </p:par>
+                              <p:par>
+                                <p:cTn id="7" presetID="1" presetClass="entr" presetSubtype="0" fill="hold" nodeType="withEffect">
+                                  <p:stCondLst>
+                                    <p:cond delay="0"/>
+                                  </p:stCondLst>
+                                  <p:childTnLst>
+                                    <p:set>
+                                      <p:cBhvr>
+                                        <p:cTn id="8" dur="1" fill="hold">
+                                          <p:stCondLst>
+                                            <p:cond delay="0"/>
+                                          </p:stCondLst>
+                                        </p:cTn>
+                                        <p:tgtEl>
+                                          <p:spTgt spid="3">
+                                            <p:txEl>
+                                              <p:pRg st="3" end="3"/>
+                                            </p:txEl>
+                                          </p:spTgt>
+                                        </p:tgtEl>
+                                        <p:attrNameLst>
+                                          <p:attrName>style.visibility</p:attrName>
+                                        </p:attrNameLst>
+                                      </p:cBhvr>
+                                      <p:to>
+                                        <p:strVal val="visible"/>
+                                      </p:to>
+                                    </p:set>
+                                  </p:childTnLst>
+                                </p:cTn>
+                              </p:par>
+                            </p:childTnLst>
+                          </p:cTn>
+                        </p:par>
+                      </p:childTnLst>
+                    </p:cTn>
+                  </p:par>
+                  <p:par>
+                    <p:cTn id="9" fill="hold">
+                      <p:stCondLst>
+                        <p:cond delay="indefinite"/>
+                      </p:stCondLst>
+                      <p:childTnLst>
+                        <p:par>
+                          <p:cTn id="10" fill="hold">
+                            <p:stCondLst>
+                              <p:cond delay="0"/>
+                            </p:stCondLst>
+                            <p:childTnLst>
+                              <p:par>
+                                <p:cTn id="11" presetID="1" presetClass="entr" presetSubtype="0" fill="hold" nodeType="clickEffect">
+                                  <p:stCondLst>
+                                    <p:cond delay="0"/>
+                                  </p:stCondLst>
+                                  <p:childTnLst>
+                                    <p:set>
+                                      <p:cBhvr>
+                                        <p:cTn id="12" dur="1" fill="hold">
+                                          <p:stCondLst>
+                                            <p:cond delay="0"/>
+                                          </p:stCondLst>
+                                        </p:cTn>
+                                        <p:tgtEl>
+                                          <p:spTgt spid="3">
+                                            <p:txEl>
+                                              <p:pRg st="6" end="6"/>
+                                            </p:txEl>
+                                          </p:spTgt>
+                                        </p:tgtEl>
+                                        <p:attrNameLst>
+                                          <p:attrName>style.visibility</p:attrName>
+                                        </p:attrNameLst>
+                                      </p:cBhvr>
+                                      <p:to>
+                                        <p:strVal val="visible"/>
+                                      </p:to>
+                                    </p:set>
+                                  </p:childTnLst>
+                                </p:cTn>
+                              </p:par>
+                            </p:childTnLst>
+                          </p:cTn>
+                        </p:par>
+                      </p:childTnLst>
+                    </p:cTn>
+                  </p:par>
+                </p:childTnLst>
+              </p:cTn>
+              <p:prevCondLst>
+                <p:cond evt="onPrev" delay="0">
+                  <p:tgtEl>
+                    <p:sldTgt/>
+                  </p:tgtEl>
+                </p:cond>
+              </p:prevCondLst>
+              <p:nextCondLst>
+                <p:cond evt="onNext" delay="0">
+                  <p:tgtEl>
+                    <p:sldTgt/>
+                  </p:tgtEl>
+                </p:cond>
+              </p:nextCondLst>
+            </p:seq>
+          </p:childTnLst>
+        </p:cTn>
+      </p:par>
+    </p:tnLst>
+  </p:timing>
+</p:sld>
+</file>
+
+<file path=ppt/slides/slide7.xml><?xml version="1.0" encoding="utf-8"?>
+<p:sld xmlns:a="http://schemas.openxmlformats.org/drawingml/2006/main" xmlns:r="http://schemas.openxmlformats.org/officeDocument/2006/relationships" xmlns:p="http://schemas.openxmlformats.org/presentationml/2006/main">
+  <p:cSld>
+    <p:spTree>
+      <p:nvGrpSpPr>
+        <p:cNvPr id="1" name=""/>
+        <p:cNvGrpSpPr/>
+        <p:nvPr/>
+      </p:nvGrpSpPr>
+      <p:grpSpPr>
+        <a:xfrm>
+          <a:off x="0" y="0"/>
+          <a:ext cx="0" cy="0"/>
+          <a:chOff x="0" y="0"/>
+          <a:chExt cx="0" cy="0"/>
+        </a:xfrm>
+      </p:grpSpPr>
+      <p:sp>
+        <p:nvSpPr>
+          <p:cNvPr id="2" name="Title 1">
+            <a:extLst>
+              <a:ext uri="{FF2B5EF4-FFF2-40B4-BE49-F238E27FC236}">
+                <a16:creationId xmlns:a16="http://schemas.microsoft.com/office/drawing/2014/main" id="{272F513E-014E-482B-8147-26B57A37E056}"/>
+              </a:ext>
+            </a:extLst>
+          </p:cNvPr>
+          <p:cNvSpPr>
+            <a:spLocks noGrp="1"/>
+          </p:cNvSpPr>
+          <p:nvPr>
+            <p:ph type="title"/>
+          </p:nvPr>
+        </p:nvSpPr>
+        <p:spPr/>
+        <p:txBody>
+          <a:bodyPr/>
+          <a:lstStyle/>
+          <a:p>
+            <a:r>
+              <a:rPr lang="en-US" dirty="0"/>
+              <a:t>NLP and Deep Learning</a:t>
+            </a:r>
+          </a:p>
+        </p:txBody>
+      </p:sp>
+      <p:sp>
+        <p:nvSpPr>
+          <p:cNvPr id="3" name="Content Placeholder 2">
+            <a:extLst>
+              <a:ext uri="{FF2B5EF4-FFF2-40B4-BE49-F238E27FC236}">
+                <a16:creationId xmlns:a16="http://schemas.microsoft.com/office/drawing/2014/main" id="{1DDED87C-DC1D-46F1-A286-9AC36010BFA4}"/>
+              </a:ext>
+            </a:extLst>
+          </p:cNvPr>
+          <p:cNvSpPr>
+            <a:spLocks noGrp="1"/>
+          </p:cNvSpPr>
+          <p:nvPr>
+            <p:ph idx="1"/>
+          </p:nvPr>
+        </p:nvSpPr>
+        <p:spPr/>
+        <p:txBody>
+          <a:bodyPr/>
+          <a:lstStyle/>
+          <a:p>
+            <a:r>
+              <a:rPr lang="en-US" dirty="0"/>
+              <a:t>BERT Encoder</a:t>
+            </a:r>
+          </a:p>
+        </p:txBody>
+      </p:sp>
+      <p:pic>
+        <p:nvPicPr>
+          <p:cNvPr id="2050" name="Picture 2" descr="BERT in Keras with Tensorflow hub | by Jacob Zweig | Towards Data Science">
+            <a:extLst>
+              <a:ext uri="{FF2B5EF4-FFF2-40B4-BE49-F238E27FC236}">
+                <a16:creationId xmlns:a16="http://schemas.microsoft.com/office/drawing/2014/main" id="{900AF3EC-EFB8-40ED-BC91-5F4B8DF14F6A}"/>
+              </a:ext>
+            </a:extLst>
+          </p:cNvPr>
+          <p:cNvPicPr>
+            <a:picLocks noChangeAspect="1" noChangeArrowheads="1"/>
+          </p:cNvPicPr>
+          <p:nvPr/>
+        </p:nvPicPr>
+        <p:blipFill rotWithShape="1">
+          <a:blip r:embed="rId3">
+            <a:extLst>
+              <a:ext uri="{28A0092B-C50C-407E-A947-70E740481C1C}">
+                <a14:useLocalDpi xmlns:a14="http://schemas.microsoft.com/office/drawing/2010/main" val="0"/>
+              </a:ext>
+            </a:extLst>
+          </a:blip>
+          <a:srcRect r="72496"/>
+          <a:stretch/>
+        </p:blipFill>
+        <p:spPr bwMode="auto">
+          <a:xfrm>
+            <a:off x="6034902" y="1690688"/>
+            <a:ext cx="5405813" cy="4552830"/>
+          </a:xfrm>
+          <a:prstGeom prst="rect">
+            <a:avLst/>
+          </a:prstGeom>
+          <a:noFill/>
+          <a:extLst>
+            <a:ext uri="{909E8E84-426E-40DD-AFC4-6F175D3DCCD1}">
+              <a14:hiddenFill xmlns:a14="http://schemas.microsoft.com/office/drawing/2010/main">
+                <a:solidFill>
+                  <a:srgbClr val="FFFFFF"/>
+                </a:solidFill>
+              </a14:hiddenFill>
+            </a:ext>
+          </a:extLst>
+        </p:spPr>
+      </p:pic>
+      <p:sp>
+        <p:nvSpPr>
+          <p:cNvPr id="4" name="Rectangle 3">
+            <a:extLst>
+              <a:ext uri="{FF2B5EF4-FFF2-40B4-BE49-F238E27FC236}">
+                <a16:creationId xmlns:a16="http://schemas.microsoft.com/office/drawing/2014/main" id="{F2E0D942-93C0-4773-B3C1-4276C5E024EE}"/>
+              </a:ext>
+            </a:extLst>
+          </p:cNvPr>
+          <p:cNvSpPr/>
+          <p:nvPr/>
+        </p:nvSpPr>
+        <p:spPr>
+          <a:xfrm>
+            <a:off x="7705365" y="1875487"/>
+            <a:ext cx="2359181" cy="464963"/>
+          </a:xfrm>
+          <a:prstGeom prst="rect">
+            <a:avLst/>
+          </a:prstGeom>
+          <a:ln>
+            <a:solidFill>
+              <a:schemeClr val="bg1"/>
+            </a:solidFill>
+          </a:ln>
+        </p:spPr>
+        <p:style>
+          <a:lnRef idx="2">
+            <a:schemeClr val="dk1"/>
+          </a:lnRef>
+          <a:fillRef idx="1">
+            <a:schemeClr val="lt1"/>
+          </a:fillRef>
+          <a:effectRef idx="0">
+            <a:schemeClr val="dk1"/>
+          </a:effectRef>
+          <a:fontRef idx="minor">
+            <a:schemeClr val="dk1"/>
+          </a:fontRef>
+        </p:style>
+        <p:txBody>
+          <a:bodyPr rtlCol="0" anchor="ctr"/>
+          <a:lstStyle/>
+          <a:p>
+            <a:pPr algn="ctr"/>
+            <a:endParaRPr lang="en-US">
+              <a:ln>
+                <a:solidFill>
+                  <a:schemeClr val="bg1"/>
+                </a:solidFill>
+              </a:ln>
+              <a:solidFill>
+                <a:schemeClr val="bg1"/>
+              </a:solidFill>
+            </a:endParaRPr>
+          </a:p>
+        </p:txBody>
+      </p:sp>
+      <p:pic>
+        <p:nvPicPr>
+          <p:cNvPr id="2052" name="Picture 4" descr="BERT in Keras with Tensorflow hub | by Jacob Zweig | Towards Data Science">
+            <a:extLst>
+              <a:ext uri="{FF2B5EF4-FFF2-40B4-BE49-F238E27FC236}">
+                <a16:creationId xmlns:a16="http://schemas.microsoft.com/office/drawing/2014/main" id="{5C2A59DA-BE6D-48AD-BB5F-E692D052D4BE}"/>
+              </a:ext>
+            </a:extLst>
+          </p:cNvPr>
+          <p:cNvPicPr>
+            <a:picLocks noChangeAspect="1" noChangeArrowheads="1"/>
+          </p:cNvPicPr>
+          <p:nvPr/>
+        </p:nvPicPr>
+        <p:blipFill rotWithShape="1">
+          <a:blip r:embed="rId3">
+            <a:extLst>
+              <a:ext uri="{28A0092B-C50C-407E-A947-70E740481C1C}">
+                <a14:useLocalDpi xmlns:a14="http://schemas.microsoft.com/office/drawing/2010/main" val="0"/>
+              </a:ext>
+            </a:extLst>
+          </a:blip>
+          <a:srcRect l="8467" t="3308" r="85496" b="86479"/>
+          <a:stretch/>
+        </p:blipFill>
+        <p:spPr bwMode="auto">
+          <a:xfrm>
+            <a:off x="8291657" y="1925859"/>
+            <a:ext cx="1186595" cy="464964"/>
+          </a:xfrm>
+          <a:prstGeom prst="rect">
+            <a:avLst/>
+          </a:prstGeom>
+          <a:noFill/>
+          <a:extLst>
+            <a:ext uri="{909E8E84-426E-40DD-AFC4-6F175D3DCCD1}">
+              <a14:hiddenFill xmlns:a14="http://schemas.microsoft.com/office/drawing/2010/main">
+                <a:solidFill>
+                  <a:srgbClr val="FFFFFF"/>
+                </a:solidFill>
+              </a14:hiddenFill>
+            </a:ext>
+          </a:extLst>
+        </p:spPr>
+      </p:pic>
+      <p:sp>
+        <p:nvSpPr>
+          <p:cNvPr id="8" name="TextBox 7">
+            <a:extLst>
+              <a:ext uri="{FF2B5EF4-FFF2-40B4-BE49-F238E27FC236}">
+                <a16:creationId xmlns:a16="http://schemas.microsoft.com/office/drawing/2014/main" id="{1B259D41-D692-412D-910D-C1466CE8DC81}"/>
+              </a:ext>
+            </a:extLst>
+          </p:cNvPr>
+          <p:cNvSpPr txBox="1"/>
+          <p:nvPr/>
+        </p:nvSpPr>
+        <p:spPr>
+          <a:xfrm>
+            <a:off x="6034903" y="6492875"/>
+            <a:ext cx="7855619" cy="307777"/>
+          </a:xfrm>
+          <a:prstGeom prst="rect">
+            <a:avLst/>
+          </a:prstGeom>
+          <a:noFill/>
+        </p:spPr>
+        <p:txBody>
+          <a:bodyPr wrap="square">
+            <a:spAutoFit/>
+          </a:bodyPr>
+          <a:lstStyle/>
+          <a:p>
+            <a:r>
+              <a:rPr lang="en-US" sz="1400" dirty="0"/>
+              <a:t>https://towardsdatascience.com/bert-in-keras-with-tensorflow-hub-76bcbc9417b</a:t>
+            </a:r>
+          </a:p>
+        </p:txBody>
+      </p:sp>
+      <p:sp>
+        <p:nvSpPr>
+          <p:cNvPr id="9" name="TextBox 8">
+            <a:extLst>
+              <a:ext uri="{FF2B5EF4-FFF2-40B4-BE49-F238E27FC236}">
+                <a16:creationId xmlns:a16="http://schemas.microsoft.com/office/drawing/2014/main" id="{13C4C20E-4707-4AD3-B3BF-641E089BC579}"/>
+              </a:ext>
+            </a:extLst>
+          </p:cNvPr>
+          <p:cNvSpPr txBox="1"/>
+          <p:nvPr/>
+        </p:nvSpPr>
+        <p:spPr>
+          <a:xfrm>
+            <a:off x="942328" y="2759018"/>
+            <a:ext cx="10185149" cy="3416320"/>
+          </a:xfrm>
+          <a:prstGeom prst="rect">
+            <a:avLst/>
+          </a:prstGeom>
+          <a:noFill/>
+        </p:spPr>
+        <p:txBody>
+          <a:bodyPr wrap="square">
+            <a:spAutoFit/>
+          </a:bodyPr>
+          <a:lstStyle/>
+          <a:p>
+            <a:pPr marL="0" indent="0">
+              <a:buNone/>
+            </a:pPr>
+            <a:r>
+              <a:rPr lang="en-US" sz="2400" dirty="0"/>
+              <a:t>Input: “I would like”, </a:t>
+            </a:r>
+          </a:p>
+          <a:p>
+            <a:pPr marL="0" indent="0">
+              <a:buNone/>
+            </a:pPr>
+            <a:r>
+              <a:rPr lang="en-US" sz="2400" dirty="0"/>
+              <a:t>	“would like to”, </a:t>
+            </a:r>
+          </a:p>
+          <a:p>
+            <a:pPr marL="0" indent="0">
+              <a:buNone/>
+            </a:pPr>
+            <a:r>
+              <a:rPr lang="en-US" sz="2400" dirty="0"/>
+              <a:t>	“like to apply”</a:t>
+            </a:r>
+          </a:p>
+          <a:p>
+            <a:pPr marL="0" indent="0">
+              <a:buNone/>
+            </a:pPr>
+            <a:endParaRPr lang="en-US" sz="2400" dirty="0"/>
+          </a:p>
+          <a:p>
+            <a:pPr marL="0" indent="0">
+              <a:buNone/>
+            </a:pPr>
+            <a:endParaRPr lang="en-US" sz="2400" dirty="0"/>
+          </a:p>
+          <a:p>
+            <a:pPr marL="0" indent="0">
+              <a:buNone/>
+            </a:pPr>
+            <a:endParaRPr lang="en-US" sz="2400" dirty="0"/>
+          </a:p>
+          <a:p>
+            <a:pPr marL="0" indent="0">
+              <a:buNone/>
+            </a:pPr>
+            <a:r>
+              <a:rPr lang="en-US" sz="2400" dirty="0"/>
+              <a:t>Output: [2243, 1105, 1156], </a:t>
+            </a:r>
+          </a:p>
+          <a:p>
+            <a:pPr marL="0" indent="0">
+              <a:buNone/>
+            </a:pPr>
+            <a:r>
+              <a:rPr lang="en-US" sz="2400" dirty="0"/>
+              <a:t>	 [1105, 1156, 100], </a:t>
+            </a:r>
+          </a:p>
+          <a:p>
+            <a:pPr marL="0" indent="0">
+              <a:buNone/>
+            </a:pPr>
+            <a:r>
+              <a:rPr lang="en-US" sz="2400" dirty="0"/>
+              <a:t>	 [1156, 100, 1106]</a:t>
+            </a:r>
+          </a:p>
+        </p:txBody>
+      </p:sp>
+      <p:sp>
+        <p:nvSpPr>
+          <p:cNvPr id="6" name="Rectangle 5">
+            <a:extLst>
+              <a:ext uri="{FF2B5EF4-FFF2-40B4-BE49-F238E27FC236}">
+                <a16:creationId xmlns:a16="http://schemas.microsoft.com/office/drawing/2014/main" id="{CE2508B5-1EB9-436E-B32A-7567C8A16113}"/>
+              </a:ext>
+            </a:extLst>
+          </p:cNvPr>
+          <p:cNvSpPr/>
+          <p:nvPr/>
+        </p:nvSpPr>
+        <p:spPr>
+          <a:xfrm>
+            <a:off x="7912729" y="5450186"/>
+            <a:ext cx="715223" cy="226337"/>
+          </a:xfrm>
+          <a:prstGeom prst="rect">
+            <a:avLst/>
+          </a:prstGeom>
+          <a:solidFill>
+            <a:srgbClr val="FAD978"/>
+          </a:solidFill>
+          <a:ln>
+            <a:solidFill>
+              <a:srgbClr val="FAD978"/>
+            </a:solidFill>
+          </a:ln>
+        </p:spPr>
+        <p:style>
+          <a:lnRef idx="2">
+            <a:schemeClr val="accent1">
+              <a:shade val="50000"/>
+            </a:schemeClr>
+          </a:lnRef>
+          <a:fillRef idx="1">
+            <a:schemeClr val="accent1"/>
+          </a:fillRef>
+          <a:effectRef idx="0">
+            <a:schemeClr val="accent1"/>
+          </a:effectRef>
+          <a:fontRef idx="minor">
+            <a:schemeClr val="lt1"/>
+          </a:fontRef>
+        </p:style>
+        <p:txBody>
+          <a:bodyPr rtlCol="0" anchor="ctr"/>
+          <a:lstStyle/>
+          <a:p>
+            <a:pPr algn="ctr"/>
+            <a:endParaRPr lang="en-US"/>
+          </a:p>
+        </p:txBody>
+      </p:sp>
+      <p:sp>
+        <p:nvSpPr>
+          <p:cNvPr id="11" name="Rectangle 10">
+            <a:extLst>
+              <a:ext uri="{FF2B5EF4-FFF2-40B4-BE49-F238E27FC236}">
+                <a16:creationId xmlns:a16="http://schemas.microsoft.com/office/drawing/2014/main" id="{C49510A6-01CB-4129-9F16-E0D36AF7010C}"/>
+              </a:ext>
+            </a:extLst>
+          </p:cNvPr>
+          <p:cNvSpPr/>
+          <p:nvPr/>
+        </p:nvSpPr>
+        <p:spPr>
+          <a:xfrm>
+            <a:off x="9942956" y="5450186"/>
+            <a:ext cx="715223" cy="226337"/>
+          </a:xfrm>
+          <a:prstGeom prst="rect">
+            <a:avLst/>
+          </a:prstGeom>
+          <a:solidFill>
+            <a:srgbClr val="FAD978"/>
+          </a:solidFill>
+          <a:ln>
+            <a:solidFill>
+              <a:srgbClr val="FAD978"/>
+            </a:solidFill>
+          </a:ln>
+        </p:spPr>
+        <p:style>
+          <a:lnRef idx="2">
+            <a:schemeClr val="accent1">
+              <a:shade val="50000"/>
+            </a:schemeClr>
+          </a:lnRef>
+          <a:fillRef idx="1">
+            <a:schemeClr val="accent1"/>
+          </a:fillRef>
+          <a:effectRef idx="0">
+            <a:schemeClr val="accent1"/>
+          </a:effectRef>
+          <a:fontRef idx="minor">
+            <a:schemeClr val="lt1"/>
+          </a:fontRef>
+        </p:style>
+        <p:txBody>
+          <a:bodyPr rtlCol="0" anchor="ctr"/>
+          <a:lstStyle/>
+          <a:p>
+            <a:pPr algn="ctr"/>
+            <a:endParaRPr lang="en-US"/>
+          </a:p>
+        </p:txBody>
+      </p:sp>
+      <p:sp>
+        <p:nvSpPr>
+          <p:cNvPr id="7" name="TextBox 6">
+            <a:extLst>
+              <a:ext uri="{FF2B5EF4-FFF2-40B4-BE49-F238E27FC236}">
+                <a16:creationId xmlns:a16="http://schemas.microsoft.com/office/drawing/2014/main" id="{BBDC0A08-E277-49F2-87E2-328D7BF23FE6}"/>
+              </a:ext>
+            </a:extLst>
+          </p:cNvPr>
+          <p:cNvSpPr txBox="1"/>
+          <p:nvPr/>
+        </p:nvSpPr>
+        <p:spPr>
+          <a:xfrm>
+            <a:off x="7903573" y="5378688"/>
+            <a:ext cx="869132" cy="369332"/>
+          </a:xfrm>
+          <a:prstGeom prst="rect">
+            <a:avLst/>
+          </a:prstGeom>
+          <a:noFill/>
+        </p:spPr>
+        <p:txBody>
+          <a:bodyPr wrap="square" rtlCol="0">
+            <a:spAutoFit/>
+          </a:bodyPr>
+          <a:lstStyle/>
+          <a:p>
+            <a:r>
+              <a:rPr lang="en-US" dirty="0"/>
+              <a:t>would</a:t>
+            </a:r>
+          </a:p>
+        </p:txBody>
+      </p:sp>
+      <p:sp>
+        <p:nvSpPr>
+          <p:cNvPr id="13" name="TextBox 12">
+            <a:extLst>
+              <a:ext uri="{FF2B5EF4-FFF2-40B4-BE49-F238E27FC236}">
+                <a16:creationId xmlns:a16="http://schemas.microsoft.com/office/drawing/2014/main" id="{74AFD020-D16C-4810-AA0B-C1C62E1259E7}"/>
+              </a:ext>
+            </a:extLst>
+          </p:cNvPr>
+          <p:cNvSpPr txBox="1"/>
+          <p:nvPr/>
+        </p:nvSpPr>
+        <p:spPr>
+          <a:xfrm>
+            <a:off x="9793233" y="5378688"/>
+            <a:ext cx="1069350" cy="369332"/>
+          </a:xfrm>
+          <a:prstGeom prst="rect">
+            <a:avLst/>
+          </a:prstGeom>
+          <a:noFill/>
+        </p:spPr>
+        <p:txBody>
+          <a:bodyPr wrap="square" rtlCol="0">
+            <a:spAutoFit/>
+          </a:bodyPr>
+          <a:lstStyle/>
+          <a:p>
+            <a:r>
+              <a:rPr lang="en-US" dirty="0" err="1"/>
+              <a:t>Thinkful</a:t>
+            </a:r>
+            <a:endParaRPr lang="en-US" dirty="0"/>
+          </a:p>
+        </p:txBody>
+      </p:sp>
+    </p:spTree>
+    <p:extLst>
+      <p:ext uri="{BB962C8B-B14F-4D97-AF65-F5344CB8AC3E}">
+        <p14:creationId xmlns:p14="http://schemas.microsoft.com/office/powerpoint/2010/main" val="4167514455"/>
+      </p:ext>
+    </p:extLst>
+  </p:cSld>
+  <p:clrMapOvr>
+    <a:masterClrMapping/>
+  </p:clrMapOvr>
+  <p:timing>
+    <p:tnLst>
+      <p:par>
+        <p:cTn id="1" dur="indefinite" restart="never" nodeType="tmRoot">
+          <p:childTnLst>
+            <p:seq concurrent="1" nextAc="seek">
+              <p:cTn id="2" dur="indefinite" nodeType="mainSeq">
+                <p:childTnLst>
+                  <p:par>
+                    <p:cTn id="3" fill="hold">
+                      <p:stCondLst>
+                        <p:cond delay="indefinite"/>
+                      </p:stCondLst>
+                      <p:childTnLst>
+                        <p:par>
+                          <p:cTn id="4" fill="hold">
+                            <p:stCondLst>
+                              <p:cond delay="0"/>
+                            </p:stCondLst>
+                            <p:childTnLst>
+                              <p:par>
+                                <p:cTn id="5" presetID="1" presetClass="entr" presetSubtype="0" fill="hold" nodeType="clickEffect">
+                                  <p:stCondLst>
+                                    <p:cond delay="0"/>
+                                  </p:stCondLst>
+                                  <p:childTnLst>
+                                    <p:set>
+                                      <p:cBhvr>
+                                        <p:cTn id="6" dur="1" fill="hold">
+                                          <p:stCondLst>
+                                            <p:cond delay="0"/>
+                                          </p:stCondLst>
+                                        </p:cTn>
+                                        <p:tgtEl>
+                                          <p:spTgt spid="9">
+                                            <p:txEl>
+                                              <p:pRg st="6" end="6"/>
+                                            </p:txEl>
+                                          </p:spTgt>
+                                        </p:tgtEl>
+                                        <p:attrNameLst>
+                                          <p:attrName>style.visibility</p:attrName>
+                                        </p:attrNameLst>
+                                      </p:cBhvr>
+                                      <p:to>
+                                        <p:strVal val="visible"/>
+                                      </p:to>
+                                    </p:set>
+                                  </p:childTnLst>
+                                </p:cTn>
+                              </p:par>
+                              <p:par>
+                                <p:cTn id="7" presetID="1" presetClass="entr" presetSubtype="0" fill="hold" nodeType="withEffect">
+                                  <p:stCondLst>
+                                    <p:cond delay="0"/>
+                                  </p:stCondLst>
+                                  <p:childTnLst>
+                                    <p:set>
+                                      <p:cBhvr>
+                                        <p:cTn id="8" dur="1" fill="hold">
+                                          <p:stCondLst>
+                                            <p:cond delay="0"/>
+                                          </p:stCondLst>
+                                        </p:cTn>
+                                        <p:tgtEl>
+                                          <p:spTgt spid="9">
+                                            <p:txEl>
+                                              <p:pRg st="7" end="7"/>
+                                            </p:txEl>
+                                          </p:spTgt>
+                                        </p:tgtEl>
+                                        <p:attrNameLst>
+                                          <p:attrName>style.visibility</p:attrName>
+                                        </p:attrNameLst>
+                                      </p:cBhvr>
+                                      <p:to>
+                                        <p:strVal val="visible"/>
+                                      </p:to>
+                                    </p:set>
+                                  </p:childTnLst>
+                                </p:cTn>
+                              </p:par>
+                              <p:par>
+                                <p:cTn id="9" presetID="1" presetClass="entr" presetSubtype="0" fill="hold" nodeType="withEffect">
+                                  <p:stCondLst>
+                                    <p:cond delay="0"/>
+                                  </p:stCondLst>
+                                  <p:childTnLst>
+                                    <p:set>
+                                      <p:cBhvr>
+                                        <p:cTn id="10" dur="1" fill="hold">
+                                          <p:stCondLst>
+                                            <p:cond delay="0"/>
+                                          </p:stCondLst>
+                                        </p:cTn>
+                                        <p:tgtEl>
+                                          <p:spTgt spid="9">
+                                            <p:txEl>
+                                              <p:pRg st="8" end="8"/>
+                                            </p:txEl>
+                                          </p:spTgt>
+                                        </p:tgtEl>
+                                        <p:attrNameLst>
+                                          <p:attrName>style.visibility</p:attrName>
+                                        </p:attrNameLst>
+                                      </p:cBhvr>
+                                      <p:to>
+                                        <p:strVal val="visible"/>
+                                      </p:to>
+                                    </p:set>
+                                  </p:childTnLst>
+                                </p:cTn>
+                              </p:par>
+                            </p:childTnLst>
+                          </p:cTn>
+                        </p:par>
+                      </p:childTnLst>
+                    </p:cTn>
+                  </p:par>
+                </p:childTnLst>
+              </p:cTn>
+              <p:prevCondLst>
+                <p:cond evt="onPrev" delay="0">
+                  <p:tgtEl>
+                    <p:sldTgt/>
+                  </p:tgtEl>
+                </p:cond>
+              </p:prevCondLst>
+              <p:nextCondLst>
+                <p:cond evt="onNext" delay="0">
+                  <p:tgtEl>
+                    <p:sldTgt/>
+                  </p:tgtEl>
+                </p:cond>
+              </p:nextCondLst>
+            </p:seq>
+          </p:childTnLst>
+        </p:cTn>
+      </p:par>
+    </p:tnLst>
+  </p:timing>
+</p:sld>
+</file>
+
+<file path=ppt/slides/slide8.xml><?xml version="1.0" encoding="utf-8"?>
+<p:sld xmlns:a="http://schemas.openxmlformats.org/drawingml/2006/main" xmlns:r="http://schemas.openxmlformats.org/officeDocument/2006/relationships" xmlns:p="http://schemas.openxmlformats.org/presentationml/2006/main">
+  <p:cSld>
+    <p:spTree>
+      <p:nvGrpSpPr>
+        <p:cNvPr id="1" name=""/>
+        <p:cNvGrpSpPr/>
+        <p:nvPr/>
+      </p:nvGrpSpPr>
+      <p:grpSpPr>
+        <a:xfrm>
+          <a:off x="0" y="0"/>
+          <a:ext cx="0" cy="0"/>
+          <a:chOff x="0" y="0"/>
+          <a:chExt cx="0" cy="0"/>
+        </a:xfrm>
+      </p:grpSpPr>
+      <p:sp>
+        <p:nvSpPr>
+          <p:cNvPr id="2" name="Title 1">
+            <a:extLst>
+              <a:ext uri="{FF2B5EF4-FFF2-40B4-BE49-F238E27FC236}">
                 <a16:creationId xmlns:a16="http://schemas.microsoft.com/office/drawing/2014/main" id="{79082CCF-9FDE-4521-8860-9AE974B6AB06}"/>
               </a:ext>
             </a:extLst>
@@ -6336,7 +8060,7 @@
           <p:nvPr/>
         </p:nvPicPr>
         <p:blipFill>
-          <a:blip r:embed="rId2">
+          <a:blip r:embed="rId3">
             <a:extLst>
               <a:ext uri="{28A0092B-C50C-407E-A947-70E740481C1C}">
                 <a14:useLocalDpi xmlns:a14="http://schemas.microsoft.com/office/drawing/2010/main" val="0"/>
@@ -6381,430 +8105,6 @@
 </p:sld>
 </file>
 
-<file path=ppt/slides/slide7.xml><?xml version="1.0" encoding="utf-8"?>
-<p:sld xmlns:a="http://schemas.openxmlformats.org/drawingml/2006/main" xmlns:r="http://schemas.openxmlformats.org/officeDocument/2006/relationships" xmlns:p="http://schemas.openxmlformats.org/presentationml/2006/main">
-  <p:cSld>
-    <p:spTree>
-      <p:nvGrpSpPr>
-        <p:cNvPr id="1" name=""/>
-        <p:cNvGrpSpPr/>
-        <p:nvPr/>
-      </p:nvGrpSpPr>
-      <p:grpSpPr>
-        <a:xfrm>
-          <a:off x="0" y="0"/>
-          <a:ext cx="0" cy="0"/>
-          <a:chOff x="0" y="0"/>
-          <a:chExt cx="0" cy="0"/>
-        </a:xfrm>
-      </p:grpSpPr>
-      <p:sp>
-        <p:nvSpPr>
-          <p:cNvPr id="2" name="Title 1">
-            <a:extLst>
-              <a:ext uri="{FF2B5EF4-FFF2-40B4-BE49-F238E27FC236}">
-                <a16:creationId xmlns:a16="http://schemas.microsoft.com/office/drawing/2014/main" id="{79082CCF-9FDE-4521-8860-9AE974B6AB06}"/>
-              </a:ext>
-            </a:extLst>
-          </p:cNvPr>
-          <p:cNvSpPr>
-            <a:spLocks noGrp="1"/>
-          </p:cNvSpPr>
-          <p:nvPr>
-            <p:ph type="title"/>
-          </p:nvPr>
-        </p:nvSpPr>
-        <p:spPr/>
-        <p:txBody>
-          <a:bodyPr/>
-          <a:lstStyle/>
-          <a:p>
-            <a:r>
-              <a:rPr lang="en-US" dirty="0"/>
-              <a:t>SGD Optimizer</a:t>
-            </a:r>
-          </a:p>
-        </p:txBody>
-      </p:sp>
-      <p:sp>
-        <p:nvSpPr>
-          <p:cNvPr id="4" name="TextBox 3">
-            <a:extLst>
-              <a:ext uri="{FF2B5EF4-FFF2-40B4-BE49-F238E27FC236}">
-                <a16:creationId xmlns:a16="http://schemas.microsoft.com/office/drawing/2014/main" id="{F2DC720A-6D6F-4F8E-A046-26484B331212}"/>
-              </a:ext>
-            </a:extLst>
-          </p:cNvPr>
-          <p:cNvSpPr txBox="1"/>
-          <p:nvPr/>
-        </p:nvSpPr>
-        <p:spPr>
-          <a:xfrm>
-            <a:off x="1855433" y="2654423"/>
-            <a:ext cx="8324326" cy="1815882"/>
-          </a:xfrm>
-          <a:prstGeom prst="rect">
-            <a:avLst/>
-          </a:prstGeom>
-          <a:noFill/>
-        </p:spPr>
-        <p:txBody>
-          <a:bodyPr wrap="square" rtlCol="0">
-            <a:spAutoFit/>
-          </a:bodyPr>
-          <a:lstStyle/>
-          <a:p>
-            <a:r>
-              <a:rPr lang="en-US" sz="2800" dirty="0"/>
-              <a:t>Output: “I would like to apply and </a:t>
-            </a:r>
-            <a:r>
-              <a:rPr lang="en-US" sz="2800" dirty="0" err="1"/>
-              <a:t>and</a:t>
-            </a:r>
-            <a:r>
-              <a:rPr lang="en-US" sz="2800" dirty="0"/>
-              <a:t> </a:t>
-            </a:r>
-            <a:r>
-              <a:rPr lang="en-US" sz="2800" dirty="0" err="1"/>
-              <a:t>and</a:t>
-            </a:r>
-            <a:r>
-              <a:rPr lang="en-US" sz="2800" dirty="0"/>
-              <a:t> </a:t>
-            </a:r>
-            <a:r>
-              <a:rPr lang="en-US" sz="2800" dirty="0" err="1"/>
-              <a:t>and</a:t>
-            </a:r>
-            <a:r>
-              <a:rPr lang="en-US" sz="2800" dirty="0"/>
-              <a:t> </a:t>
-            </a:r>
-            <a:r>
-              <a:rPr lang="en-US" sz="2800" dirty="0" err="1"/>
-              <a:t>and</a:t>
-            </a:r>
-            <a:r>
-              <a:rPr lang="en-US" sz="2800" dirty="0"/>
-              <a:t> </a:t>
-            </a:r>
-          </a:p>
-          <a:p>
-            <a:r>
-              <a:rPr lang="en-US" sz="2800" dirty="0"/>
-              <a:t>	     and </a:t>
-            </a:r>
-            <a:r>
-              <a:rPr lang="en-US" sz="2800" dirty="0" err="1"/>
-              <a:t>and</a:t>
-            </a:r>
-            <a:r>
-              <a:rPr lang="en-US" sz="2800" dirty="0"/>
-              <a:t> </a:t>
-            </a:r>
-            <a:r>
-              <a:rPr lang="en-US" sz="2800" dirty="0" err="1"/>
-              <a:t>and</a:t>
-            </a:r>
-            <a:r>
-              <a:rPr lang="en-US" sz="2800" dirty="0"/>
-              <a:t> </a:t>
-            </a:r>
-            <a:r>
-              <a:rPr lang="en-US" sz="2800" dirty="0" err="1"/>
-              <a:t>and</a:t>
-            </a:r>
-            <a:r>
-              <a:rPr lang="en-US" sz="2800" dirty="0"/>
-              <a:t> </a:t>
-            </a:r>
-            <a:r>
-              <a:rPr lang="en-US" sz="2800" dirty="0" err="1"/>
-              <a:t>and</a:t>
-            </a:r>
-            <a:r>
-              <a:rPr lang="en-US" sz="2800" dirty="0"/>
-              <a:t> </a:t>
-            </a:r>
-            <a:r>
-              <a:rPr lang="en-US" sz="2800" dirty="0" err="1"/>
-              <a:t>and</a:t>
-            </a:r>
-            <a:r>
-              <a:rPr lang="en-US" sz="2800" dirty="0"/>
-              <a:t> </a:t>
-            </a:r>
-            <a:r>
-              <a:rPr lang="en-US" sz="2800" dirty="0" err="1"/>
-              <a:t>and</a:t>
-            </a:r>
-            <a:r>
-              <a:rPr lang="en-US" sz="2800" dirty="0"/>
-              <a:t> </a:t>
-            </a:r>
-            <a:r>
-              <a:rPr lang="en-US" sz="2800" dirty="0" err="1"/>
-              <a:t>and</a:t>
-            </a:r>
-            <a:r>
-              <a:rPr lang="en-US" sz="2800" dirty="0"/>
-              <a:t> </a:t>
-            </a:r>
-            <a:r>
-              <a:rPr lang="en-US" sz="2800" dirty="0" err="1"/>
-              <a:t>and</a:t>
-            </a:r>
-            <a:r>
-              <a:rPr lang="en-US" sz="2800" dirty="0"/>
-              <a:t> </a:t>
-            </a:r>
-            <a:r>
-              <a:rPr lang="en-US" sz="2800" dirty="0" err="1"/>
-              <a:t>and</a:t>
-            </a:r>
-            <a:r>
-              <a:rPr lang="en-US" sz="2800" dirty="0"/>
-              <a:t> </a:t>
-            </a:r>
-          </a:p>
-          <a:p>
-            <a:r>
-              <a:rPr lang="en-US" sz="2800" dirty="0"/>
-              <a:t>	     and </a:t>
-            </a:r>
-            <a:r>
-              <a:rPr lang="en-US" sz="2800" dirty="0" err="1"/>
-              <a:t>and</a:t>
-            </a:r>
-            <a:r>
-              <a:rPr lang="en-US" sz="2800" dirty="0"/>
-              <a:t> </a:t>
-            </a:r>
-            <a:r>
-              <a:rPr lang="en-US" sz="2800" dirty="0" err="1"/>
-              <a:t>and</a:t>
-            </a:r>
-            <a:r>
-              <a:rPr lang="en-US" sz="2800" dirty="0"/>
-              <a:t> </a:t>
-            </a:r>
-            <a:r>
-              <a:rPr lang="en-US" sz="2800" dirty="0" err="1"/>
-              <a:t>and</a:t>
-            </a:r>
-            <a:r>
-              <a:rPr lang="en-US" sz="2800" dirty="0"/>
-              <a:t> </a:t>
-            </a:r>
-            <a:r>
-              <a:rPr lang="en-US" sz="2800" dirty="0" err="1"/>
-              <a:t>and</a:t>
-            </a:r>
-            <a:r>
-              <a:rPr lang="en-US" sz="2800" dirty="0"/>
-              <a:t> </a:t>
-            </a:r>
-            <a:r>
-              <a:rPr lang="en-US" sz="2800" dirty="0" err="1"/>
-              <a:t>and</a:t>
-            </a:r>
-            <a:r>
-              <a:rPr lang="en-US" sz="2800" dirty="0"/>
-              <a:t> </a:t>
-            </a:r>
-            <a:r>
-              <a:rPr lang="en-US" sz="2800" dirty="0" err="1"/>
-              <a:t>and</a:t>
-            </a:r>
-            <a:r>
-              <a:rPr lang="en-US" sz="2800" dirty="0"/>
-              <a:t> </a:t>
-            </a:r>
-            <a:r>
-              <a:rPr lang="en-US" sz="2800" dirty="0" err="1"/>
-              <a:t>and</a:t>
-            </a:r>
-            <a:r>
-              <a:rPr lang="en-US" sz="2800" dirty="0"/>
-              <a:t> </a:t>
-            </a:r>
-            <a:r>
-              <a:rPr lang="en-US" sz="2800" dirty="0" err="1"/>
-              <a:t>and</a:t>
-            </a:r>
-            <a:r>
-              <a:rPr lang="en-US" sz="2800" dirty="0"/>
-              <a:t> </a:t>
-            </a:r>
-            <a:r>
-              <a:rPr lang="en-US" sz="2800" dirty="0" err="1"/>
-              <a:t>and</a:t>
-            </a:r>
-            <a:r>
-              <a:rPr lang="en-US" sz="2800" dirty="0"/>
-              <a:t>”</a:t>
-            </a:r>
-          </a:p>
-          <a:p>
-            <a:endParaRPr lang="en-US" sz="2800" dirty="0"/>
-          </a:p>
-        </p:txBody>
-      </p:sp>
-    </p:spTree>
-    <p:extLst>
-      <p:ext uri="{BB962C8B-B14F-4D97-AF65-F5344CB8AC3E}">
-        <p14:creationId xmlns:p14="http://schemas.microsoft.com/office/powerpoint/2010/main" val="318326434"/>
-      </p:ext>
-    </p:extLst>
-  </p:cSld>
-  <p:clrMapOvr>
-    <a:masterClrMapping/>
-  </p:clrMapOvr>
-</p:sld>
-</file>
-
-<file path=ppt/slides/slide8.xml><?xml version="1.0" encoding="utf-8"?>
-<p:sld xmlns:a="http://schemas.openxmlformats.org/drawingml/2006/main" xmlns:r="http://schemas.openxmlformats.org/officeDocument/2006/relationships" xmlns:p="http://schemas.openxmlformats.org/presentationml/2006/main">
-  <p:cSld>
-    <p:spTree>
-      <p:nvGrpSpPr>
-        <p:cNvPr id="1" name=""/>
-        <p:cNvGrpSpPr/>
-        <p:nvPr/>
-      </p:nvGrpSpPr>
-      <p:grpSpPr>
-        <a:xfrm>
-          <a:off x="0" y="0"/>
-          <a:ext cx="0" cy="0"/>
-          <a:chOff x="0" y="0"/>
-          <a:chExt cx="0" cy="0"/>
-        </a:xfrm>
-      </p:grpSpPr>
-      <p:sp>
-        <p:nvSpPr>
-          <p:cNvPr id="2" name="Title 1">
-            <a:extLst>
-              <a:ext uri="{FF2B5EF4-FFF2-40B4-BE49-F238E27FC236}">
-                <a16:creationId xmlns:a16="http://schemas.microsoft.com/office/drawing/2014/main" id="{372A92DB-687E-4877-ADB7-0666F3A80649}"/>
-              </a:ext>
-            </a:extLst>
-          </p:cNvPr>
-          <p:cNvSpPr>
-            <a:spLocks noGrp="1"/>
-          </p:cNvSpPr>
-          <p:nvPr>
-            <p:ph type="title"/>
-          </p:nvPr>
-        </p:nvSpPr>
-        <p:spPr/>
-        <p:txBody>
-          <a:bodyPr/>
-          <a:lstStyle/>
-          <a:p>
-            <a:r>
-              <a:rPr lang="en-US" dirty="0"/>
-              <a:t>ADAM Optimizer</a:t>
-            </a:r>
-          </a:p>
-        </p:txBody>
-      </p:sp>
-      <p:sp>
-        <p:nvSpPr>
-          <p:cNvPr id="4" name="TextBox 3">
-            <a:extLst>
-              <a:ext uri="{FF2B5EF4-FFF2-40B4-BE49-F238E27FC236}">
-                <a16:creationId xmlns:a16="http://schemas.microsoft.com/office/drawing/2014/main" id="{CEAC8F9F-A291-4107-ADA1-1ED66C9937B5}"/>
-              </a:ext>
-            </a:extLst>
-          </p:cNvPr>
-          <p:cNvSpPr txBox="1"/>
-          <p:nvPr/>
-        </p:nvSpPr>
-        <p:spPr>
-          <a:xfrm>
-            <a:off x="838200" y="1869546"/>
-            <a:ext cx="4364208" cy="523220"/>
-          </a:xfrm>
-          <a:prstGeom prst="rect">
-            <a:avLst/>
-          </a:prstGeom>
-          <a:noFill/>
-        </p:spPr>
-        <p:txBody>
-          <a:bodyPr wrap="none" rtlCol="0">
-            <a:spAutoFit/>
-          </a:bodyPr>
-          <a:lstStyle/>
-          <a:p>
-            <a:r>
-              <a:rPr lang="en-US" sz="2800" dirty="0"/>
-              <a:t>Input: “I would like to apply”</a:t>
-            </a:r>
-          </a:p>
-        </p:txBody>
-      </p:sp>
-      <p:pic>
-        <p:nvPicPr>
-          <p:cNvPr id="3078" name="Picture 6">
-            <a:extLst>
-              <a:ext uri="{FF2B5EF4-FFF2-40B4-BE49-F238E27FC236}">
-                <a16:creationId xmlns:a16="http://schemas.microsoft.com/office/drawing/2014/main" id="{3B63B73D-3292-4360-8CAE-0FFD8B76C554}"/>
-              </a:ext>
-            </a:extLst>
-          </p:cNvPr>
-          <p:cNvPicPr>
-            <a:picLocks noChangeAspect="1" noChangeArrowheads="1"/>
-          </p:cNvPicPr>
-          <p:nvPr/>
-        </p:nvPicPr>
-        <p:blipFill>
-          <a:blip r:embed="rId3">
-            <a:extLst>
-              <a:ext uri="{28A0092B-C50C-407E-A947-70E740481C1C}">
-                <a14:useLocalDpi xmlns:a14="http://schemas.microsoft.com/office/drawing/2010/main" val="0"/>
-              </a:ext>
-            </a:extLst>
-          </a:blip>
-          <a:srcRect/>
-          <a:stretch>
-            <a:fillRect/>
-          </a:stretch>
-        </p:blipFill>
-        <p:spPr bwMode="auto">
-          <a:xfrm>
-            <a:off x="3559479" y="2742062"/>
-            <a:ext cx="5073042" cy="3750813"/>
-          </a:xfrm>
-          <a:prstGeom prst="rect">
-            <a:avLst/>
-          </a:prstGeom>
-          <a:noFill/>
-          <a:extLst>
-            <a:ext uri="{909E8E84-426E-40DD-AFC4-6F175D3DCCD1}">
-              <a14:hiddenFill xmlns:a14="http://schemas.microsoft.com/office/drawing/2010/main">
-                <a:solidFill>
-                  <a:srgbClr val="FFFFFF"/>
-                </a:solidFill>
-              </a14:hiddenFill>
-            </a:ext>
-          </a:extLst>
-        </p:spPr>
-      </p:pic>
-    </p:spTree>
-    <p:extLst>
-      <p:ext uri="{BB962C8B-B14F-4D97-AF65-F5344CB8AC3E}">
-        <p14:creationId xmlns:p14="http://schemas.microsoft.com/office/powerpoint/2010/main" val="4041833578"/>
-      </p:ext>
-    </p:extLst>
-  </p:cSld>
-  <p:clrMapOvr>
-    <a:masterClrMapping/>
-  </p:clrMapOvr>
-</p:sld>
-</file>
-
 <file path=ppt/slides/slide9.xml><?xml version="1.0" encoding="utf-8"?>
 <p:sld xmlns:a="http://schemas.openxmlformats.org/drawingml/2006/main" xmlns:r="http://schemas.openxmlformats.org/officeDocument/2006/relationships" xmlns:p="http://schemas.openxmlformats.org/presentationml/2006/main">
   <p:cSld>
@@ -6827,7 +8127,7 @@
           <p:cNvPr id="2" name="Title 1">
             <a:extLst>
               <a:ext uri="{FF2B5EF4-FFF2-40B4-BE49-F238E27FC236}">
-                <a16:creationId xmlns:a16="http://schemas.microsoft.com/office/drawing/2014/main" id="{372A92DB-687E-4877-ADB7-0666F3A80649}"/>
+                <a16:creationId xmlns:a16="http://schemas.microsoft.com/office/drawing/2014/main" id="{79082CCF-9FDE-4521-8860-9AE974B6AB06}"/>
               </a:ext>
             </a:extLst>
           </p:cNvPr>
@@ -6845,7 +8145,7 @@
           <a:p>
             <a:r>
               <a:rPr lang="en-US" dirty="0"/>
-              <a:t>ADAM Optimizer</a:t>
+              <a:t>SGD Optimizer</a:t>
             </a:r>
           </a:p>
         </p:txBody>
@@ -6855,7 +8155,7 @@
           <p:cNvPr id="4" name="TextBox 3">
             <a:extLst>
               <a:ext uri="{FF2B5EF4-FFF2-40B4-BE49-F238E27FC236}">
-                <a16:creationId xmlns:a16="http://schemas.microsoft.com/office/drawing/2014/main" id="{CEAC8F9F-A291-4107-ADA1-1ED66C9937B5}"/>
+                <a16:creationId xmlns:a16="http://schemas.microsoft.com/office/drawing/2014/main" id="{F2DC720A-6D6F-4F8E-A046-26484B331212}"/>
               </a:ext>
             </a:extLst>
           </p:cNvPr>
@@ -6864,8 +8164,8 @@
         </p:nvSpPr>
         <p:spPr>
           <a:xfrm>
-            <a:off x="731668" y="2437717"/>
-            <a:ext cx="10429073" cy="2246769"/>
+            <a:off x="1855433" y="2654423"/>
+            <a:ext cx="8324326" cy="1815882"/>
           </a:xfrm>
           <a:prstGeom prst="rect">
             <a:avLst/>
@@ -6873,60 +8173,202 @@
           <a:noFill/>
         </p:spPr>
         <p:txBody>
-          <a:bodyPr wrap="none" rtlCol="0">
+          <a:bodyPr wrap="square" rtlCol="0">
             <a:spAutoFit/>
           </a:bodyPr>
           <a:lstStyle/>
           <a:p>
             <a:r>
               <a:rPr lang="en-US" sz="2800" dirty="0"/>
-              <a:t>Output: “I would like to apply on-strategy </a:t>
-            </a:r>
-            <a:r>
-              <a:rPr lang="en-US" sz="2800" dirty="0" err="1">
-                <a:solidFill>
-                  <a:schemeClr val="accent1">
-                    <a:lumMod val="75000"/>
-                  </a:schemeClr>
-                </a:solidFill>
-              </a:rPr>
-              <a:t>yourcompany</a:t>
+              <a:t>Output: “I would like to apply and </a:t>
+            </a:r>
+            <a:r>
+              <a:rPr lang="en-US" sz="2800" dirty="0" err="1"/>
+              <a:t>and</a:t>
             </a:r>
             <a:r>
               <a:rPr lang="en-US" sz="2800" dirty="0"/>
-              <a:t> consideration </a:t>
-            </a:r>
-          </a:p>
-          <a:p>
+              <a:t> </a:t>
+            </a:r>
+            <a:r>
+              <a:rPr lang="en-US" sz="2800" dirty="0" err="1"/>
+              <a:t>and</a:t>
+            </a:r>
             <a:r>
               <a:rPr lang="en-US" sz="2800" dirty="0"/>
-              <a:t>	     a </a:t>
-            </a:r>
-            <a:r>
-              <a:rPr lang="en-US" sz="2800" dirty="0" err="1">
-                <a:solidFill>
-                  <a:schemeClr val="accent1">
-                    <a:lumMod val="75000"/>
-                  </a:schemeClr>
-                </a:solidFill>
-              </a:rPr>
-              <a:t>yourcompany</a:t>
+              <a:t> </a:t>
+            </a:r>
+            <a:r>
+              <a:rPr lang="en-US" sz="2800" dirty="0" err="1"/>
+              <a:t>and</a:t>
             </a:r>
             <a:r>
               <a:rPr lang="en-US" sz="2800" dirty="0"/>
-              <a:t> problem-solving confident the me passionate</a:t>
-            </a:r>
-          </a:p>
-          <a:p>
+              <a:t> </a:t>
+            </a:r>
+            <a:r>
+              <a:rPr lang="en-US" sz="2800" dirty="0" err="1"/>
+              <a:t>and</a:t>
+            </a:r>
             <a:r>
               <a:rPr lang="en-US" sz="2800" dirty="0"/>
-              <a:t>	     cost me passionate cost me passionate cost me passionate</a:t>
+              <a:t> </a:t>
             </a:r>
           </a:p>
           <a:p>
             <a:r>
               <a:rPr lang="en-US" sz="2800" dirty="0"/>
-              <a:t>	     cost me passionate cost me passionate”</a:t>
+              <a:t>	     and </a:t>
+            </a:r>
+            <a:r>
+              <a:rPr lang="en-US" sz="2800" dirty="0" err="1"/>
+              <a:t>and</a:t>
+            </a:r>
+            <a:r>
+              <a:rPr lang="en-US" sz="2800" dirty="0"/>
+              <a:t> </a:t>
+            </a:r>
+            <a:r>
+              <a:rPr lang="en-US" sz="2800" dirty="0" err="1"/>
+              <a:t>and</a:t>
+            </a:r>
+            <a:r>
+              <a:rPr lang="en-US" sz="2800" dirty="0"/>
+              <a:t> </a:t>
+            </a:r>
+            <a:r>
+              <a:rPr lang="en-US" sz="2800" dirty="0" err="1"/>
+              <a:t>and</a:t>
+            </a:r>
+            <a:r>
+              <a:rPr lang="en-US" sz="2800" dirty="0"/>
+              <a:t> </a:t>
+            </a:r>
+            <a:r>
+              <a:rPr lang="en-US" sz="2800" dirty="0" err="1"/>
+              <a:t>and</a:t>
+            </a:r>
+            <a:r>
+              <a:rPr lang="en-US" sz="2800" dirty="0"/>
+              <a:t> </a:t>
+            </a:r>
+            <a:r>
+              <a:rPr lang="en-US" sz="2800" dirty="0" err="1"/>
+              <a:t>and</a:t>
+            </a:r>
+            <a:r>
+              <a:rPr lang="en-US" sz="2800" dirty="0"/>
+              <a:t> </a:t>
+            </a:r>
+            <a:r>
+              <a:rPr lang="en-US" sz="2800" dirty="0" err="1"/>
+              <a:t>and</a:t>
+            </a:r>
+            <a:r>
+              <a:rPr lang="en-US" sz="2800" dirty="0"/>
+              <a:t> </a:t>
+            </a:r>
+            <a:r>
+              <a:rPr lang="en-US" sz="2800" dirty="0" err="1"/>
+              <a:t>and</a:t>
+            </a:r>
+            <a:r>
+              <a:rPr lang="en-US" sz="2800" dirty="0"/>
+              <a:t> </a:t>
+            </a:r>
+            <a:r>
+              <a:rPr lang="en-US" sz="2800" dirty="0" err="1"/>
+              <a:t>and</a:t>
+            </a:r>
+            <a:r>
+              <a:rPr lang="en-US" sz="2800" dirty="0"/>
+              <a:t> </a:t>
+            </a:r>
+            <a:r>
+              <a:rPr lang="en-US" sz="2800" dirty="0" err="1"/>
+              <a:t>and</a:t>
+            </a:r>
+            <a:r>
+              <a:rPr lang="en-US" sz="2800" dirty="0"/>
+              <a:t> </a:t>
+            </a:r>
+          </a:p>
+          <a:p>
+            <a:r>
+              <a:rPr lang="en-US" sz="2800" dirty="0"/>
+              <a:t>	     and </a:t>
+            </a:r>
+            <a:r>
+              <a:rPr lang="en-US" sz="2800" dirty="0" err="1"/>
+              <a:t>and</a:t>
+            </a:r>
+            <a:r>
+              <a:rPr lang="en-US" sz="2800" dirty="0"/>
+              <a:t> </a:t>
+            </a:r>
+            <a:r>
+              <a:rPr lang="en-US" sz="2800" dirty="0" err="1"/>
+              <a:t>and</a:t>
+            </a:r>
+            <a:r>
+              <a:rPr lang="en-US" sz="2800" dirty="0"/>
+              <a:t> </a:t>
+            </a:r>
+            <a:r>
+              <a:rPr lang="en-US" sz="2800" dirty="0" err="1"/>
+              <a:t>and</a:t>
+            </a:r>
+            <a:r>
+              <a:rPr lang="en-US" sz="2800" dirty="0"/>
+              <a:t> </a:t>
+            </a:r>
+            <a:r>
+              <a:rPr lang="en-US" sz="2800" dirty="0" err="1"/>
+              <a:t>and</a:t>
+            </a:r>
+            <a:r>
+              <a:rPr lang="en-US" sz="2800" dirty="0"/>
+              <a:t> </a:t>
+            </a:r>
+            <a:r>
+              <a:rPr lang="en-US" sz="2800" dirty="0" err="1"/>
+              <a:t>and</a:t>
+            </a:r>
+            <a:r>
+              <a:rPr lang="en-US" sz="2800" dirty="0"/>
+              <a:t> </a:t>
+            </a:r>
+            <a:r>
+              <a:rPr lang="en-US" sz="2800" dirty="0" err="1"/>
+              <a:t>and</a:t>
+            </a:r>
+            <a:r>
+              <a:rPr lang="en-US" sz="2800" dirty="0"/>
+              <a:t> </a:t>
+            </a:r>
+            <a:r>
+              <a:rPr lang="en-US" sz="2800" dirty="0" err="1"/>
+              <a:t>and</a:t>
+            </a:r>
+            <a:r>
+              <a:rPr lang="en-US" sz="2800" dirty="0"/>
+              <a:t> </a:t>
+            </a:r>
+            <a:r>
+              <a:rPr lang="en-US" sz="2800" dirty="0" err="1"/>
+              <a:t>and</a:t>
+            </a:r>
+            <a:r>
+              <a:rPr lang="en-US" sz="2800" dirty="0"/>
+              <a:t> </a:t>
+            </a:r>
+            <a:r>
+              <a:rPr lang="en-US" sz="2800" dirty="0" err="1"/>
+              <a:t>and</a:t>
+            </a:r>
+            <a:r>
+              <a:rPr lang="en-US" sz="2800" dirty="0"/>
+              <a:t>”</a:t>
             </a:r>
           </a:p>
           <a:p>
@@ -6937,7 +8379,7 @@
     </p:spTree>
     <p:extLst>
       <p:ext uri="{BB962C8B-B14F-4D97-AF65-F5344CB8AC3E}">
-        <p14:creationId xmlns:p14="http://schemas.microsoft.com/office/powerpoint/2010/main" val="3506048576"/>
+        <p14:creationId xmlns:p14="http://schemas.microsoft.com/office/powerpoint/2010/main" val="318326434"/>
       </p:ext>
     </p:extLst>
   </p:cSld>
